--- a/NB15221李旦/CloudMusic/CloudMusic演示文档.pptx
+++ b/NB15221李旦/CloudMusic/CloudMusic演示文档.pptx
@@ -1,20 +1,23 @@
 
 <file path=ppt/presentation.xml><?xml version="1.0" encoding="utf-8"?>
-<p:presentation xmlns:a="http://schemas.openxmlformats.org/drawingml/2006/main" xmlns:r="http://schemas.openxmlformats.org/officeDocument/2006/relationships" xmlns:p="http://schemas.openxmlformats.org/presentationml/2006/main">
+<p:presentation xmlns:a="http://schemas.openxmlformats.org/drawingml/2006/main" xmlns:r="http://schemas.openxmlformats.org/officeDocument/2006/relationships" xmlns:p="http://schemas.openxmlformats.org/presentationml/2006/main" saveSubsetFonts="1">
   <p:sldMasterIdLst>
-    <p:sldMasterId id="2147483648" r:id="rId5"/>
+    <p:sldMasterId id="2147483648" r:id="rId1"/>
   </p:sldMasterIdLst>
   <p:notesMasterIdLst>
-    <p:notesMasterId r:id="rId7"/>
+    <p:notesMasterId r:id="rId12"/>
   </p:notesMasterIdLst>
   <p:sldIdLst>
-    <p:sldId id="256" r:id="rId8"/>
-    <p:sldId id="257" r:id="rId9"/>
-    <p:sldId id="258" r:id="rId10"/>
-    <p:sldId id="259" r:id="rId11"/>
-    <p:sldId id="260" r:id="rId12"/>
-    <p:sldId id="261" r:id="rId13"/>
-    <p:sldId id="262" r:id="rId14"/>
+    <p:sldId id="256" r:id="rId2"/>
+    <p:sldId id="257" r:id="rId3"/>
+    <p:sldId id="258" r:id="rId4"/>
+    <p:sldId id="259" r:id="rId5"/>
+    <p:sldId id="260" r:id="rId6"/>
+    <p:sldId id="261" r:id="rId7"/>
+    <p:sldId id="262" r:id="rId8"/>
+    <p:sldId id="263" r:id="rId9"/>
+    <p:sldId id="264" r:id="rId10"/>
+    <p:sldId id="265" r:id="rId11"/>
   </p:sldIdLst>
   <p:sldSz cx="13004800" cy="9753600"/>
   <p:notesSz cx="6858000" cy="9144000"/>
@@ -34,7 +37,7 @@
       <a:buFontTx/>
       <a:buNone/>
       <a:tabLst/>
-      <a:defRPr b="0" baseline="0" cap="none" i="0" spc="0" strike="noStrike" sz="1800" u="none" kumimoji="0" normalizeH="0">
+      <a:defRPr kumimoji="0" sz="1800" b="0" i="0" u="none" strike="noStrike" cap="none" spc="0" normalizeH="0" baseline="0">
         <a:ln>
           <a:noFill/>
         </a:ln>
@@ -60,7 +63,7 @@
       <a:buFontTx/>
       <a:buNone/>
       <a:tabLst/>
-      <a:defRPr b="0" baseline="0" cap="none" i="0" spc="0" strike="noStrike" sz="3800" u="none" kumimoji="0" normalizeH="0">
+      <a:defRPr kumimoji="0" sz="3800" b="0" i="0" u="none" strike="noStrike" cap="none" spc="0" normalizeH="0" baseline="0">
         <a:ln>
           <a:noFill/>
         </a:ln>
@@ -90,7 +93,7 @@
       <a:buFontTx/>
       <a:buNone/>
       <a:tabLst/>
-      <a:defRPr b="0" baseline="0" cap="none" i="0" spc="0" strike="noStrike" sz="3800" u="none" kumimoji="0" normalizeH="0">
+      <a:defRPr kumimoji="0" sz="3800" b="0" i="0" u="none" strike="noStrike" cap="none" spc="0" normalizeH="0" baseline="0">
         <a:ln>
           <a:noFill/>
         </a:ln>
@@ -120,7 +123,7 @@
       <a:buFontTx/>
       <a:buNone/>
       <a:tabLst/>
-      <a:defRPr b="0" baseline="0" cap="none" i="0" spc="0" strike="noStrike" sz="3800" u="none" kumimoji="0" normalizeH="0">
+      <a:defRPr kumimoji="0" sz="3800" b="0" i="0" u="none" strike="noStrike" cap="none" spc="0" normalizeH="0" baseline="0">
         <a:ln>
           <a:noFill/>
         </a:ln>
@@ -150,7 +153,7 @@
       <a:buFontTx/>
       <a:buNone/>
       <a:tabLst/>
-      <a:defRPr b="0" baseline="0" cap="none" i="0" spc="0" strike="noStrike" sz="3800" u="none" kumimoji="0" normalizeH="0">
+      <a:defRPr kumimoji="0" sz="3800" b="0" i="0" u="none" strike="noStrike" cap="none" spc="0" normalizeH="0" baseline="0">
         <a:ln>
           <a:noFill/>
         </a:ln>
@@ -180,7 +183,7 @@
       <a:buFontTx/>
       <a:buNone/>
       <a:tabLst/>
-      <a:defRPr b="0" baseline="0" cap="none" i="0" spc="0" strike="noStrike" sz="3800" u="none" kumimoji="0" normalizeH="0">
+      <a:defRPr kumimoji="0" sz="3800" b="0" i="0" u="none" strike="noStrike" cap="none" spc="0" normalizeH="0" baseline="0">
         <a:ln>
           <a:noFill/>
         </a:ln>
@@ -210,7 +213,7 @@
       <a:buFontTx/>
       <a:buNone/>
       <a:tabLst/>
-      <a:defRPr b="0" baseline="0" cap="none" i="0" spc="0" strike="noStrike" sz="3800" u="none" kumimoji="0" normalizeH="0">
+      <a:defRPr kumimoji="0" sz="3800" b="0" i="0" u="none" strike="noStrike" cap="none" spc="0" normalizeH="0" baseline="0">
         <a:ln>
           <a:noFill/>
         </a:ln>
@@ -240,7 +243,7 @@
       <a:buFontTx/>
       <a:buNone/>
       <a:tabLst/>
-      <a:defRPr b="0" baseline="0" cap="none" i="0" spc="0" strike="noStrike" sz="3800" u="none" kumimoji="0" normalizeH="0">
+      <a:defRPr kumimoji="0" sz="3800" b="0" i="0" u="none" strike="noStrike" cap="none" spc="0" normalizeH="0" baseline="0">
         <a:ln>
           <a:noFill/>
         </a:ln>
@@ -270,7 +273,7 @@
       <a:buFontTx/>
       <a:buNone/>
       <a:tabLst/>
-      <a:defRPr b="0" baseline="0" cap="none" i="0" spc="0" strike="noStrike" sz="3800" u="none" kumimoji="0" normalizeH="0">
+      <a:defRPr kumimoji="0" sz="3800" b="0" i="0" u="none" strike="noStrike" cap="none" spc="0" normalizeH="0" baseline="0">
         <a:ln>
           <a:noFill/>
         </a:ln>
@@ -300,7 +303,7 @@
       <a:buFontTx/>
       <a:buNone/>
       <a:tabLst/>
-      <a:defRPr b="0" baseline="0" cap="none" i="0" spc="0" strike="noStrike" sz="3800" u="none" kumimoji="0" normalizeH="0">
+      <a:defRPr kumimoji="0" sz="3800" b="0" i="0" u="none" strike="noStrike" cap="none" spc="0" normalizeH="0" baseline="0">
         <a:ln>
           <a:noFill/>
         </a:ln>
@@ -319,13 +322,14 @@
 </p:presentation>
 </file>
 
-<file path=ppt/commentAuthors.xml><?xml version="1.0" encoding="utf-8"?>
-<p:cmAuthorLst xmlns:a="http://schemas.openxmlformats.org/drawingml/2006/main" xmlns:r="http://schemas.openxmlformats.org/officeDocument/2006/relationships" xmlns:p="http://schemas.openxmlformats.org/presentationml/2006/main"/>
-</file>
-
 <file path=ppt/notesMasters/notesMaster1.xml><?xml version="1.0" encoding="utf-8"?>
 <p:notesMaster xmlns:a="http://schemas.openxmlformats.org/drawingml/2006/main" xmlns:r="http://schemas.openxmlformats.org/officeDocument/2006/relationships" xmlns:p="http://schemas.openxmlformats.org/presentationml/2006/main">
   <p:cSld>
+    <p:bg>
+      <p:bgRef idx="1001">
+        <a:schemeClr val="bg1"/>
+      </p:bgRef>
+    </p:bg>
     <p:spTree>
       <p:nvGrpSpPr>
         <p:cNvPr id="1" name=""/>
@@ -343,7 +347,9 @@
       <p:sp>
         <p:nvSpPr>
           <p:cNvPr id="116" name="Shape 116"/>
-          <p:cNvSpPr/>
+          <p:cNvSpPr>
+            <a:spLocks noGrp="1" noRot="1" noChangeAspect="1"/>
+          </p:cNvSpPr>
           <p:nvPr>
             <p:ph type="sldImg"/>
           </p:nvPr>
@@ -361,14 +367,16 @@
           <a:bodyPr/>
           <a:lstStyle/>
           <a:p>
-            <a:pPr/>
+            <a:endParaRPr/>
           </a:p>
         </p:txBody>
       </p:sp>
       <p:sp>
         <p:nvSpPr>
           <p:cNvPr id="117" name="Shape 117"/>
-          <p:cNvSpPr/>
+          <p:cNvSpPr>
+            <a:spLocks noGrp="1"/>
+          </p:cNvSpPr>
           <p:nvPr>
             <p:ph type="body" sz="quarter" idx="1"/>
           </p:nvPr>
@@ -386,11 +394,16 @@
           <a:bodyPr/>
           <a:lstStyle/>
           <a:p>
-            <a:pPr/>
+            <a:endParaRPr/>
           </a:p>
         </p:txBody>
       </p:sp>
     </p:spTree>
+    <p:extLst>
+      <p:ext uri="{BB962C8B-B14F-4D97-AF65-F5344CB8AC3E}">
+        <p14:creationId xmlns:p14="http://schemas.microsoft.com/office/powerpoint/2010/main" val="1940672353"/>
+      </p:ext>
+    </p:extLst>
   </p:cSld>
   <p:clrMap bg1="lt1" tx1="dk1" bg2="lt2" tx2="dk2" accent1="accent1" accent2="accent2" accent3="accent3" accent4="accent4" accent5="accent5" accent6="accent6" hlink="hlink" folHlink="folHlink"/>
   <p:notesStyle>
@@ -498,7 +511,7 @@
 </file>
 
 <file path=ppt/slideLayouts/slideLayout1.xml><?xml version="1.0" encoding="utf-8"?>
-<p:sldLayout xmlns:a="http://schemas.openxmlformats.org/drawingml/2006/main" xmlns:r="http://schemas.openxmlformats.org/officeDocument/2006/relationships" xmlns:p="http://schemas.openxmlformats.org/presentationml/2006/main" type="title" showMasterSp="1" showMasterPhAnim="1">
+<p:sldLayout xmlns:a="http://schemas.openxmlformats.org/drawingml/2006/main" xmlns:r="http://schemas.openxmlformats.org/officeDocument/2006/relationships" xmlns:p="http://schemas.openxmlformats.org/presentationml/2006/main" type="title">
   <p:cSld name="标题与副标题">
     <p:spTree>
       <p:nvGrpSpPr>
@@ -517,7 +530,9 @@
       <p:sp>
         <p:nvSpPr>
           <p:cNvPr id="11" name="Shape 11"/>
-          <p:cNvSpPr/>
+          <p:cNvSpPr>
+            <a:spLocks noGrp="1"/>
+          </p:cNvSpPr>
           <p:nvPr>
             <p:ph type="title"/>
           </p:nvPr>
@@ -535,7 +550,6 @@
           <a:bodyPr anchor="b"/>
           <a:lstStyle/>
           <a:p>
-            <a:pPr/>
             <a:r>
               <a:t>标题文本</a:t>
             </a:r>
@@ -545,7 +559,9 @@
       <p:sp>
         <p:nvSpPr>
           <p:cNvPr id="12" name="Shape 12"/>
-          <p:cNvSpPr/>
+          <p:cNvSpPr>
+            <a:spLocks noGrp="1"/>
+          </p:cNvSpPr>
           <p:nvPr>
             <p:ph type="body" sz="quarter" idx="1"/>
           </p:nvPr>
@@ -604,7 +620,6 @@
             </a:lvl5pPr>
           </a:lstStyle>
           <a:p>
-            <a:pPr/>
             <a:r>
               <a:t>正文级别 1</a:t>
             </a:r>
@@ -638,7 +653,9 @@
       <p:sp>
         <p:nvSpPr>
           <p:cNvPr id="13" name="Shape 13"/>
-          <p:cNvSpPr/>
+          <p:cNvSpPr>
+            <a:spLocks noGrp="1"/>
+          </p:cNvSpPr>
           <p:nvPr>
             <p:ph type="sldNum" sz="quarter" idx="2"/>
           </p:nvPr>
@@ -652,8 +669,10 @@
           <a:bodyPr/>
           <a:lstStyle/>
           <a:p>
-            <a:pPr/>
-            <a:fld id="{86CB4B4D-7CA3-9044-876B-883B54F8677D}" type="slidenum"/>
+            <a:fld id="{86CB4B4D-7CA3-9044-876B-883B54F8677D}" type="slidenum">
+              <a:t>‹#›</a:t>
+            </a:fld>
+            <a:endParaRPr/>
           </a:p>
         </p:txBody>
       </p:sp>
@@ -662,12 +681,12 @@
   <p:clrMapOvr>
     <a:masterClrMapping/>
   </p:clrMapOvr>
-  <p:transition xmlns:p14="http://schemas.microsoft.com/office/powerpoint/2010/main" spd="med" advClick="1"/>
+  <p:transition spd="med"/>
 </p:sldLayout>
 </file>
 
 <file path=ppt/slideLayouts/slideLayout10.xml><?xml version="1.0" encoding="utf-8"?>
-<p:sldLayout xmlns:a="http://schemas.openxmlformats.org/drawingml/2006/main" xmlns:r="http://schemas.openxmlformats.org/officeDocument/2006/relationships" xmlns:p="http://schemas.openxmlformats.org/presentationml/2006/main" type="tx" showMasterSp="1" showMasterPhAnim="1">
+<p:sldLayout xmlns:a="http://schemas.openxmlformats.org/drawingml/2006/main" xmlns:r="http://schemas.openxmlformats.org/officeDocument/2006/relationships" xmlns:p="http://schemas.openxmlformats.org/presentationml/2006/main" type="tx">
   <p:cSld name="引文">
     <p:spTree>
       <p:nvGrpSpPr>
@@ -686,7 +705,9 @@
       <p:sp>
         <p:nvSpPr>
           <p:cNvPr id="93" name="Shape 93"/>
-          <p:cNvSpPr/>
+          <p:cNvSpPr>
+            <a:spLocks noGrp="1"/>
+          </p:cNvSpPr>
           <p:nvPr>
             <p:ph type="body" sz="quarter" idx="13"/>
           </p:nvPr>
@@ -711,7 +732,7 @@
               </a:spcBef>
               <a:buSzTx/>
               <a:buNone/>
-              <a:defRPr b="1" sz="2800">
+              <a:defRPr sz="2800" b="1">
                 <a:latin typeface="Helvetica"/>
                 <a:ea typeface="Helvetica"/>
                 <a:cs typeface="Helvetica"/>
@@ -720,7 +741,6 @@
             </a:lvl1pPr>
           </a:lstStyle>
           <a:p>
-            <a:pPr/>
             <a:r>
               <a:t>–Johnny Appleseed</a:t>
             </a:r>
@@ -730,7 +750,9 @@
       <p:sp>
         <p:nvSpPr>
           <p:cNvPr id="94" name="Shape 94"/>
-          <p:cNvSpPr/>
+          <p:cNvSpPr>
+            <a:spLocks noGrp="1"/>
+          </p:cNvSpPr>
           <p:nvPr>
             <p:ph type="body" sz="quarter" idx="14"/>
           </p:nvPr>
@@ -759,7 +781,6 @@
             </a:lvl1pPr>
           </a:lstStyle>
           <a:p>
-            <a:pPr/>
             <a:r>
               <a:t>“在此键入引文。”</a:t>
             </a:r>
@@ -769,7 +790,9 @@
       <p:sp>
         <p:nvSpPr>
           <p:cNvPr id="95" name="Shape 95"/>
-          <p:cNvSpPr/>
+          <p:cNvSpPr>
+            <a:spLocks noGrp="1"/>
+          </p:cNvSpPr>
           <p:nvPr>
             <p:ph type="sldNum" sz="quarter" idx="2"/>
           </p:nvPr>
@@ -783,8 +806,10 @@
           <a:bodyPr/>
           <a:lstStyle/>
           <a:p>
-            <a:pPr/>
-            <a:fld id="{86CB4B4D-7CA3-9044-876B-883B54F8677D}" type="slidenum"/>
+            <a:fld id="{86CB4B4D-7CA3-9044-876B-883B54F8677D}" type="slidenum">
+              <a:t>‹#›</a:t>
+            </a:fld>
+            <a:endParaRPr/>
           </a:p>
         </p:txBody>
       </p:sp>
@@ -793,12 +818,12 @@
   <p:clrMapOvr>
     <a:masterClrMapping/>
   </p:clrMapOvr>
-  <p:transition xmlns:p14="http://schemas.microsoft.com/office/powerpoint/2010/main" spd="med" advClick="1"/>
+  <p:transition spd="med"/>
 </p:sldLayout>
 </file>
 
 <file path=ppt/slideLayouts/slideLayout11.xml><?xml version="1.0" encoding="utf-8"?>
-<p:sldLayout xmlns:a="http://schemas.openxmlformats.org/drawingml/2006/main" xmlns:r="http://schemas.openxmlformats.org/officeDocument/2006/relationships" xmlns:p="http://schemas.openxmlformats.org/presentationml/2006/main" type="tx" showMasterSp="1" showMasterPhAnim="1">
+<p:sldLayout xmlns:a="http://schemas.openxmlformats.org/drawingml/2006/main" xmlns:r="http://schemas.openxmlformats.org/officeDocument/2006/relationships" xmlns:p="http://schemas.openxmlformats.org/presentationml/2006/main" type="tx">
   <p:cSld name="照片">
     <p:spTree>
       <p:nvGrpSpPr>
@@ -817,7 +842,9 @@
       <p:sp>
         <p:nvSpPr>
           <p:cNvPr id="102" name="Shape 102"/>
-          <p:cNvSpPr/>
+          <p:cNvSpPr>
+            <a:spLocks noGrp="1"/>
+          </p:cNvSpPr>
           <p:nvPr>
             <p:ph type="pic" idx="13"/>
           </p:nvPr>
@@ -837,14 +864,16 @@
           </a:bodyPr>
           <a:lstStyle/>
           <a:p>
-            <a:pPr/>
+            <a:endParaRPr/>
           </a:p>
         </p:txBody>
       </p:sp>
       <p:sp>
         <p:nvSpPr>
           <p:cNvPr id="103" name="Shape 103"/>
-          <p:cNvSpPr/>
+          <p:cNvSpPr>
+            <a:spLocks noGrp="1"/>
+          </p:cNvSpPr>
           <p:nvPr>
             <p:ph type="sldNum" sz="quarter" idx="2"/>
           </p:nvPr>
@@ -858,8 +887,10 @@
           <a:bodyPr/>
           <a:lstStyle/>
           <a:p>
-            <a:pPr/>
-            <a:fld id="{86CB4B4D-7CA3-9044-876B-883B54F8677D}" type="slidenum"/>
+            <a:fld id="{86CB4B4D-7CA3-9044-876B-883B54F8677D}" type="slidenum">
+              <a:t>‹#›</a:t>
+            </a:fld>
+            <a:endParaRPr/>
           </a:p>
         </p:txBody>
       </p:sp>
@@ -868,12 +899,12 @@
   <p:clrMapOvr>
     <a:masterClrMapping/>
   </p:clrMapOvr>
-  <p:transition xmlns:p14="http://schemas.microsoft.com/office/powerpoint/2010/main" spd="med" advClick="1"/>
+  <p:transition spd="med"/>
 </p:sldLayout>
 </file>
 
 <file path=ppt/slideLayouts/slideLayout12.xml><?xml version="1.0" encoding="utf-8"?>
-<p:sldLayout xmlns:a="http://schemas.openxmlformats.org/drawingml/2006/main" xmlns:r="http://schemas.openxmlformats.org/officeDocument/2006/relationships" xmlns:p="http://schemas.openxmlformats.org/presentationml/2006/main" type="tx" showMasterSp="1" showMasterPhAnim="1">
+<p:sldLayout xmlns:a="http://schemas.openxmlformats.org/drawingml/2006/main" xmlns:r="http://schemas.openxmlformats.org/officeDocument/2006/relationships" xmlns:p="http://schemas.openxmlformats.org/presentationml/2006/main" type="tx">
   <p:cSld name="空白">
     <p:spTree>
       <p:nvGrpSpPr>
@@ -892,7 +923,9 @@
       <p:sp>
         <p:nvSpPr>
           <p:cNvPr id="110" name="Shape 110"/>
-          <p:cNvSpPr/>
+          <p:cNvSpPr>
+            <a:spLocks noGrp="1"/>
+          </p:cNvSpPr>
           <p:nvPr>
             <p:ph type="sldNum" sz="quarter" idx="2"/>
           </p:nvPr>
@@ -906,8 +939,10 @@
           <a:bodyPr/>
           <a:lstStyle/>
           <a:p>
-            <a:pPr/>
-            <a:fld id="{86CB4B4D-7CA3-9044-876B-883B54F8677D}" type="slidenum"/>
+            <a:fld id="{86CB4B4D-7CA3-9044-876B-883B54F8677D}" type="slidenum">
+              <a:t>‹#›</a:t>
+            </a:fld>
+            <a:endParaRPr/>
           </a:p>
         </p:txBody>
       </p:sp>
@@ -916,12 +951,12 @@
   <p:clrMapOvr>
     <a:masterClrMapping/>
   </p:clrMapOvr>
-  <p:transition xmlns:p14="http://schemas.microsoft.com/office/powerpoint/2010/main" spd="med" advClick="1"/>
+  <p:transition spd="med"/>
 </p:sldLayout>
 </file>
 
 <file path=ppt/slideLayouts/slideLayout2.xml><?xml version="1.0" encoding="utf-8"?>
-<p:sldLayout xmlns:a="http://schemas.openxmlformats.org/drawingml/2006/main" xmlns:r="http://schemas.openxmlformats.org/officeDocument/2006/relationships" xmlns:p="http://schemas.openxmlformats.org/presentationml/2006/main" type="tx" showMasterSp="1" showMasterPhAnim="1">
+<p:sldLayout xmlns:a="http://schemas.openxmlformats.org/drawingml/2006/main" xmlns:r="http://schemas.openxmlformats.org/officeDocument/2006/relationships" xmlns:p="http://schemas.openxmlformats.org/presentationml/2006/main" type="tx">
   <p:cSld name="照片 - 水平">
     <p:spTree>
       <p:nvGrpSpPr>
@@ -940,7 +975,9 @@
       <p:sp>
         <p:nvSpPr>
           <p:cNvPr id="20" name="Shape 20"/>
-          <p:cNvSpPr/>
+          <p:cNvSpPr>
+            <a:spLocks noGrp="1"/>
+          </p:cNvSpPr>
           <p:nvPr>
             <p:ph type="pic" idx="13"/>
           </p:nvPr>
@@ -960,14 +997,16 @@
           </a:bodyPr>
           <a:lstStyle/>
           <a:p>
-            <a:pPr/>
+            <a:endParaRPr/>
           </a:p>
         </p:txBody>
       </p:sp>
       <p:sp>
         <p:nvSpPr>
           <p:cNvPr id="21" name="Shape 21"/>
-          <p:cNvSpPr/>
+          <p:cNvSpPr>
+            <a:spLocks noGrp="1"/>
+          </p:cNvSpPr>
           <p:nvPr>
             <p:ph type="title"/>
           </p:nvPr>
@@ -985,7 +1024,6 @@
           <a:bodyPr anchor="b"/>
           <a:lstStyle/>
           <a:p>
-            <a:pPr/>
             <a:r>
               <a:t>标题文本</a:t>
             </a:r>
@@ -995,7 +1033,9 @@
       <p:sp>
         <p:nvSpPr>
           <p:cNvPr id="22" name="Shape 22"/>
-          <p:cNvSpPr/>
+          <p:cNvSpPr>
+            <a:spLocks noGrp="1"/>
+          </p:cNvSpPr>
           <p:nvPr>
             <p:ph type="body" sz="quarter" idx="1"/>
           </p:nvPr>
@@ -1054,7 +1094,6 @@
             </a:lvl5pPr>
           </a:lstStyle>
           <a:p>
-            <a:pPr/>
             <a:r>
               <a:t>正文级别 1</a:t>
             </a:r>
@@ -1088,7 +1127,9 @@
       <p:sp>
         <p:nvSpPr>
           <p:cNvPr id="23" name="Shape 23"/>
-          <p:cNvSpPr/>
+          <p:cNvSpPr>
+            <a:spLocks noGrp="1"/>
+          </p:cNvSpPr>
           <p:nvPr>
             <p:ph type="sldNum" sz="quarter" idx="2"/>
           </p:nvPr>
@@ -1102,8 +1143,10 @@
           <a:bodyPr/>
           <a:lstStyle/>
           <a:p>
-            <a:pPr/>
-            <a:fld id="{86CB4B4D-7CA3-9044-876B-883B54F8677D}" type="slidenum"/>
+            <a:fld id="{86CB4B4D-7CA3-9044-876B-883B54F8677D}" type="slidenum">
+              <a:t>‹#›</a:t>
+            </a:fld>
+            <a:endParaRPr/>
           </a:p>
         </p:txBody>
       </p:sp>
@@ -1112,12 +1155,12 @@
   <p:clrMapOvr>
     <a:masterClrMapping/>
   </p:clrMapOvr>
-  <p:transition xmlns:p14="http://schemas.microsoft.com/office/powerpoint/2010/main" spd="med" advClick="1"/>
+  <p:transition spd="med"/>
 </p:sldLayout>
 </file>
 
 <file path=ppt/slideLayouts/slideLayout3.xml><?xml version="1.0" encoding="utf-8"?>
-<p:sldLayout xmlns:a="http://schemas.openxmlformats.org/drawingml/2006/main" xmlns:r="http://schemas.openxmlformats.org/officeDocument/2006/relationships" xmlns:p="http://schemas.openxmlformats.org/presentationml/2006/main" type="tx" showMasterSp="1" showMasterPhAnim="1">
+<p:sldLayout xmlns:a="http://schemas.openxmlformats.org/drawingml/2006/main" xmlns:r="http://schemas.openxmlformats.org/officeDocument/2006/relationships" xmlns:p="http://schemas.openxmlformats.org/presentationml/2006/main" type="tx">
   <p:cSld name="标题 - 居中">
     <p:spTree>
       <p:nvGrpSpPr>
@@ -1136,7 +1179,9 @@
       <p:sp>
         <p:nvSpPr>
           <p:cNvPr id="30" name="Shape 30"/>
-          <p:cNvSpPr/>
+          <p:cNvSpPr>
+            <a:spLocks noGrp="1"/>
+          </p:cNvSpPr>
           <p:nvPr>
             <p:ph type="title"/>
           </p:nvPr>
@@ -1154,7 +1199,6 @@
           <a:bodyPr/>
           <a:lstStyle/>
           <a:p>
-            <a:pPr/>
             <a:r>
               <a:t>标题文本</a:t>
             </a:r>
@@ -1164,7 +1208,9 @@
       <p:sp>
         <p:nvSpPr>
           <p:cNvPr id="31" name="Shape 31"/>
-          <p:cNvSpPr/>
+          <p:cNvSpPr>
+            <a:spLocks noGrp="1"/>
+          </p:cNvSpPr>
           <p:nvPr>
             <p:ph type="sldNum" sz="quarter" idx="2"/>
           </p:nvPr>
@@ -1178,8 +1224,10 @@
           <a:bodyPr/>
           <a:lstStyle/>
           <a:p>
-            <a:pPr/>
-            <a:fld id="{86CB4B4D-7CA3-9044-876B-883B54F8677D}" type="slidenum"/>
+            <a:fld id="{86CB4B4D-7CA3-9044-876B-883B54F8677D}" type="slidenum">
+              <a:t>‹#›</a:t>
+            </a:fld>
+            <a:endParaRPr/>
           </a:p>
         </p:txBody>
       </p:sp>
@@ -1188,12 +1236,12 @@
   <p:clrMapOvr>
     <a:masterClrMapping/>
   </p:clrMapOvr>
-  <p:transition xmlns:p14="http://schemas.microsoft.com/office/powerpoint/2010/main" spd="med" advClick="1"/>
+  <p:transition spd="med"/>
 </p:sldLayout>
 </file>
 
 <file path=ppt/slideLayouts/slideLayout4.xml><?xml version="1.0" encoding="utf-8"?>
-<p:sldLayout xmlns:a="http://schemas.openxmlformats.org/drawingml/2006/main" xmlns:r="http://schemas.openxmlformats.org/officeDocument/2006/relationships" xmlns:p="http://schemas.openxmlformats.org/presentationml/2006/main" type="tx" showMasterSp="1" showMasterPhAnim="1">
+<p:sldLayout xmlns:a="http://schemas.openxmlformats.org/drawingml/2006/main" xmlns:r="http://schemas.openxmlformats.org/officeDocument/2006/relationships" xmlns:p="http://schemas.openxmlformats.org/presentationml/2006/main" type="tx">
   <p:cSld name="照片 - 垂直">
     <p:spTree>
       <p:nvGrpSpPr>
@@ -1212,7 +1260,9 @@
       <p:sp>
         <p:nvSpPr>
           <p:cNvPr id="38" name="Shape 38"/>
-          <p:cNvSpPr/>
+          <p:cNvSpPr>
+            <a:spLocks noGrp="1"/>
+          </p:cNvSpPr>
           <p:nvPr>
             <p:ph type="pic" sz="half" idx="13"/>
           </p:nvPr>
@@ -1232,14 +1282,16 @@
           </a:bodyPr>
           <a:lstStyle/>
           <a:p>
-            <a:pPr/>
+            <a:endParaRPr/>
           </a:p>
         </p:txBody>
       </p:sp>
       <p:sp>
         <p:nvSpPr>
           <p:cNvPr id="39" name="Shape 39"/>
-          <p:cNvSpPr/>
+          <p:cNvSpPr>
+            <a:spLocks noGrp="1"/>
+          </p:cNvSpPr>
           <p:nvPr>
             <p:ph type="title"/>
           </p:nvPr>
@@ -1261,7 +1313,6 @@
             </a:lvl1pPr>
           </a:lstStyle>
           <a:p>
-            <a:pPr/>
             <a:r>
               <a:t>标题文本</a:t>
             </a:r>
@@ -1271,7 +1322,9 @@
       <p:sp>
         <p:nvSpPr>
           <p:cNvPr id="40" name="Shape 40"/>
-          <p:cNvSpPr/>
+          <p:cNvSpPr>
+            <a:spLocks noGrp="1"/>
+          </p:cNvSpPr>
           <p:nvPr>
             <p:ph type="body" sz="quarter" idx="1"/>
           </p:nvPr>
@@ -1330,7 +1383,6 @@
             </a:lvl5pPr>
           </a:lstStyle>
           <a:p>
-            <a:pPr/>
             <a:r>
               <a:t>正文级别 1</a:t>
             </a:r>
@@ -1364,7 +1416,9 @@
       <p:sp>
         <p:nvSpPr>
           <p:cNvPr id="41" name="Shape 41"/>
-          <p:cNvSpPr/>
+          <p:cNvSpPr>
+            <a:spLocks noGrp="1"/>
+          </p:cNvSpPr>
           <p:nvPr>
             <p:ph type="sldNum" sz="quarter" idx="2"/>
           </p:nvPr>
@@ -1378,8 +1432,10 @@
           <a:bodyPr/>
           <a:lstStyle/>
           <a:p>
-            <a:pPr/>
-            <a:fld id="{86CB4B4D-7CA3-9044-876B-883B54F8677D}" type="slidenum"/>
+            <a:fld id="{86CB4B4D-7CA3-9044-876B-883B54F8677D}" type="slidenum">
+              <a:t>‹#›</a:t>
+            </a:fld>
+            <a:endParaRPr/>
           </a:p>
         </p:txBody>
       </p:sp>
@@ -1388,12 +1444,12 @@
   <p:clrMapOvr>
     <a:masterClrMapping/>
   </p:clrMapOvr>
-  <p:transition xmlns:p14="http://schemas.microsoft.com/office/powerpoint/2010/main" spd="med" advClick="1"/>
+  <p:transition spd="med"/>
 </p:sldLayout>
 </file>
 
 <file path=ppt/slideLayouts/slideLayout5.xml><?xml version="1.0" encoding="utf-8"?>
-<p:sldLayout xmlns:a="http://schemas.openxmlformats.org/drawingml/2006/main" xmlns:r="http://schemas.openxmlformats.org/officeDocument/2006/relationships" xmlns:p="http://schemas.openxmlformats.org/presentationml/2006/main" type="tx" showMasterSp="1" showMasterPhAnim="1">
+<p:sldLayout xmlns:a="http://schemas.openxmlformats.org/drawingml/2006/main" xmlns:r="http://schemas.openxmlformats.org/officeDocument/2006/relationships" xmlns:p="http://schemas.openxmlformats.org/presentationml/2006/main" type="tx">
   <p:cSld name="标题 - 顶部对齐">
     <p:spTree>
       <p:nvGrpSpPr>
@@ -1412,7 +1468,9 @@
       <p:sp>
         <p:nvSpPr>
           <p:cNvPr id="48" name="Shape 48"/>
-          <p:cNvSpPr/>
+          <p:cNvSpPr>
+            <a:spLocks noGrp="1"/>
+          </p:cNvSpPr>
           <p:nvPr>
             <p:ph type="title"/>
           </p:nvPr>
@@ -1426,7 +1484,6 @@
           <a:bodyPr/>
           <a:lstStyle/>
           <a:p>
-            <a:pPr/>
             <a:r>
               <a:t>标题文本</a:t>
             </a:r>
@@ -1436,7 +1493,9 @@
       <p:sp>
         <p:nvSpPr>
           <p:cNvPr id="49" name="Shape 49"/>
-          <p:cNvSpPr/>
+          <p:cNvSpPr>
+            <a:spLocks noGrp="1"/>
+          </p:cNvSpPr>
           <p:nvPr>
             <p:ph type="sldNum" sz="quarter" idx="2"/>
           </p:nvPr>
@@ -1450,8 +1509,10 @@
           <a:bodyPr/>
           <a:lstStyle/>
           <a:p>
-            <a:pPr/>
-            <a:fld id="{86CB4B4D-7CA3-9044-876B-883B54F8677D}" type="slidenum"/>
+            <a:fld id="{86CB4B4D-7CA3-9044-876B-883B54F8677D}" type="slidenum">
+              <a:t>‹#›</a:t>
+            </a:fld>
+            <a:endParaRPr/>
           </a:p>
         </p:txBody>
       </p:sp>
@@ -1460,12 +1521,12 @@
   <p:clrMapOvr>
     <a:masterClrMapping/>
   </p:clrMapOvr>
-  <p:transition xmlns:p14="http://schemas.microsoft.com/office/powerpoint/2010/main" spd="med" advClick="1"/>
+  <p:transition spd="med"/>
 </p:sldLayout>
 </file>
 
 <file path=ppt/slideLayouts/slideLayout6.xml><?xml version="1.0" encoding="utf-8"?>
-<p:sldLayout xmlns:a="http://schemas.openxmlformats.org/drawingml/2006/main" xmlns:r="http://schemas.openxmlformats.org/officeDocument/2006/relationships" xmlns:p="http://schemas.openxmlformats.org/presentationml/2006/main" type="tx" showMasterSp="1" showMasterPhAnim="1">
+<p:sldLayout xmlns:a="http://schemas.openxmlformats.org/drawingml/2006/main" xmlns:r="http://schemas.openxmlformats.org/officeDocument/2006/relationships" xmlns:p="http://schemas.openxmlformats.org/presentationml/2006/main" type="tx">
   <p:cSld name="标题与项目符号">
     <p:spTree>
       <p:nvGrpSpPr>
@@ -1484,7 +1545,9 @@
       <p:sp>
         <p:nvSpPr>
           <p:cNvPr id="56" name="Shape 56"/>
-          <p:cNvSpPr/>
+          <p:cNvSpPr>
+            <a:spLocks noGrp="1"/>
+          </p:cNvSpPr>
           <p:nvPr>
             <p:ph type="title"/>
           </p:nvPr>
@@ -1498,7 +1561,6 @@
           <a:bodyPr/>
           <a:lstStyle/>
           <a:p>
-            <a:pPr/>
             <a:r>
               <a:t>标题文本</a:t>
             </a:r>
@@ -1508,7 +1570,9 @@
       <p:sp>
         <p:nvSpPr>
           <p:cNvPr id="57" name="Shape 57"/>
-          <p:cNvSpPr/>
+          <p:cNvSpPr>
+            <a:spLocks noGrp="1"/>
+          </p:cNvSpPr>
           <p:nvPr>
             <p:ph type="body" idx="1"/>
           </p:nvPr>
@@ -1522,7 +1586,6 @@
           <a:bodyPr/>
           <a:lstStyle/>
           <a:p>
-            <a:pPr/>
             <a:r>
               <a:t>正文级别 1</a:t>
             </a:r>
@@ -1556,7 +1619,9 @@
       <p:sp>
         <p:nvSpPr>
           <p:cNvPr id="58" name="Shape 58"/>
-          <p:cNvSpPr/>
+          <p:cNvSpPr>
+            <a:spLocks noGrp="1"/>
+          </p:cNvSpPr>
           <p:nvPr>
             <p:ph type="sldNum" sz="quarter" idx="2"/>
           </p:nvPr>
@@ -1570,8 +1635,10 @@
           <a:bodyPr/>
           <a:lstStyle/>
           <a:p>
-            <a:pPr/>
-            <a:fld id="{86CB4B4D-7CA3-9044-876B-883B54F8677D}" type="slidenum"/>
+            <a:fld id="{86CB4B4D-7CA3-9044-876B-883B54F8677D}" type="slidenum">
+              <a:t>‹#›</a:t>
+            </a:fld>
+            <a:endParaRPr/>
           </a:p>
         </p:txBody>
       </p:sp>
@@ -1580,12 +1647,12 @@
   <p:clrMapOvr>
     <a:masterClrMapping/>
   </p:clrMapOvr>
-  <p:transition xmlns:p14="http://schemas.microsoft.com/office/powerpoint/2010/main" spd="med" advClick="1"/>
+  <p:transition spd="med"/>
 </p:sldLayout>
 </file>
 
 <file path=ppt/slideLayouts/slideLayout7.xml><?xml version="1.0" encoding="utf-8"?>
-<p:sldLayout xmlns:a="http://schemas.openxmlformats.org/drawingml/2006/main" xmlns:r="http://schemas.openxmlformats.org/officeDocument/2006/relationships" xmlns:p="http://schemas.openxmlformats.org/presentationml/2006/main" type="tx" showMasterSp="1" showMasterPhAnim="1">
+<p:sldLayout xmlns:a="http://schemas.openxmlformats.org/drawingml/2006/main" xmlns:r="http://schemas.openxmlformats.org/officeDocument/2006/relationships" xmlns:p="http://schemas.openxmlformats.org/presentationml/2006/main" type="tx">
   <p:cSld name="标题、项目符号与照片">
     <p:spTree>
       <p:nvGrpSpPr>
@@ -1604,7 +1671,9 @@
       <p:sp>
         <p:nvSpPr>
           <p:cNvPr id="65" name="Shape 65"/>
-          <p:cNvSpPr/>
+          <p:cNvSpPr>
+            <a:spLocks noGrp="1"/>
+          </p:cNvSpPr>
           <p:nvPr>
             <p:ph type="pic" sz="half" idx="13"/>
           </p:nvPr>
@@ -1624,14 +1693,16 @@
           </a:bodyPr>
           <a:lstStyle/>
           <a:p>
-            <a:pPr/>
+            <a:endParaRPr/>
           </a:p>
         </p:txBody>
       </p:sp>
       <p:sp>
         <p:nvSpPr>
           <p:cNvPr id="66" name="Shape 66"/>
-          <p:cNvSpPr/>
+          <p:cNvSpPr>
+            <a:spLocks noGrp="1"/>
+          </p:cNvSpPr>
           <p:nvPr>
             <p:ph type="title"/>
           </p:nvPr>
@@ -1645,7 +1716,6 @@
           <a:bodyPr/>
           <a:lstStyle/>
           <a:p>
-            <a:pPr/>
             <a:r>
               <a:t>标题文本</a:t>
             </a:r>
@@ -1655,7 +1725,9 @@
       <p:sp>
         <p:nvSpPr>
           <p:cNvPr id="67" name="Shape 67"/>
-          <p:cNvSpPr/>
+          <p:cNvSpPr>
+            <a:spLocks noGrp="1"/>
+          </p:cNvSpPr>
           <p:nvPr>
             <p:ph type="body" sz="half" idx="1"/>
           </p:nvPr>
@@ -1704,7 +1776,6 @@
             </a:lvl5pPr>
           </a:lstStyle>
           <a:p>
-            <a:pPr/>
             <a:r>
               <a:t>正文级别 1</a:t>
             </a:r>
@@ -1738,7 +1809,9 @@
       <p:sp>
         <p:nvSpPr>
           <p:cNvPr id="68" name="Shape 68"/>
-          <p:cNvSpPr/>
+          <p:cNvSpPr>
+            <a:spLocks noGrp="1"/>
+          </p:cNvSpPr>
           <p:nvPr>
             <p:ph type="sldNum" sz="quarter" idx="2"/>
           </p:nvPr>
@@ -1752,8 +1825,10 @@
           <a:bodyPr/>
           <a:lstStyle/>
           <a:p>
-            <a:pPr/>
-            <a:fld id="{86CB4B4D-7CA3-9044-876B-883B54F8677D}" type="slidenum"/>
+            <a:fld id="{86CB4B4D-7CA3-9044-876B-883B54F8677D}" type="slidenum">
+              <a:t>‹#›</a:t>
+            </a:fld>
+            <a:endParaRPr/>
           </a:p>
         </p:txBody>
       </p:sp>
@@ -1762,12 +1837,12 @@
   <p:clrMapOvr>
     <a:masterClrMapping/>
   </p:clrMapOvr>
-  <p:transition xmlns:p14="http://schemas.microsoft.com/office/powerpoint/2010/main" spd="med" advClick="1"/>
+  <p:transition spd="med"/>
 </p:sldLayout>
 </file>
 
 <file path=ppt/slideLayouts/slideLayout8.xml><?xml version="1.0" encoding="utf-8"?>
-<p:sldLayout xmlns:a="http://schemas.openxmlformats.org/drawingml/2006/main" xmlns:r="http://schemas.openxmlformats.org/officeDocument/2006/relationships" xmlns:p="http://schemas.openxmlformats.org/presentationml/2006/main" type="tx" showMasterSp="1" showMasterPhAnim="1">
+<p:sldLayout xmlns:a="http://schemas.openxmlformats.org/drawingml/2006/main" xmlns:r="http://schemas.openxmlformats.org/officeDocument/2006/relationships" xmlns:p="http://schemas.openxmlformats.org/presentationml/2006/main" type="tx">
   <p:cSld name="项目符号">
     <p:spTree>
       <p:nvGrpSpPr>
@@ -1786,7 +1861,9 @@
       <p:sp>
         <p:nvSpPr>
           <p:cNvPr id="75" name="Shape 75"/>
-          <p:cNvSpPr/>
+          <p:cNvSpPr>
+            <a:spLocks noGrp="1"/>
+          </p:cNvSpPr>
           <p:nvPr>
             <p:ph type="body" idx="1"/>
           </p:nvPr>
@@ -1804,7 +1881,6 @@
           <a:bodyPr/>
           <a:lstStyle/>
           <a:p>
-            <a:pPr/>
             <a:r>
               <a:t>正文级别 1</a:t>
             </a:r>
@@ -1838,7 +1914,9 @@
       <p:sp>
         <p:nvSpPr>
           <p:cNvPr id="76" name="Shape 76"/>
-          <p:cNvSpPr/>
+          <p:cNvSpPr>
+            <a:spLocks noGrp="1"/>
+          </p:cNvSpPr>
           <p:nvPr>
             <p:ph type="sldNum" sz="quarter" idx="2"/>
           </p:nvPr>
@@ -1852,8 +1930,10 @@
           <a:bodyPr/>
           <a:lstStyle/>
           <a:p>
-            <a:pPr/>
-            <a:fld id="{86CB4B4D-7CA3-9044-876B-883B54F8677D}" type="slidenum"/>
+            <a:fld id="{86CB4B4D-7CA3-9044-876B-883B54F8677D}" type="slidenum">
+              <a:t>‹#›</a:t>
+            </a:fld>
+            <a:endParaRPr/>
           </a:p>
         </p:txBody>
       </p:sp>
@@ -1862,12 +1942,12 @@
   <p:clrMapOvr>
     <a:masterClrMapping/>
   </p:clrMapOvr>
-  <p:transition xmlns:p14="http://schemas.microsoft.com/office/powerpoint/2010/main" spd="med" advClick="1"/>
+  <p:transition spd="med"/>
 </p:sldLayout>
 </file>
 
 <file path=ppt/slideLayouts/slideLayout9.xml><?xml version="1.0" encoding="utf-8"?>
-<p:sldLayout xmlns:a="http://schemas.openxmlformats.org/drawingml/2006/main" xmlns:r="http://schemas.openxmlformats.org/officeDocument/2006/relationships" xmlns:p="http://schemas.openxmlformats.org/presentationml/2006/main" type="tx" showMasterSp="1" showMasterPhAnim="1">
+<p:sldLayout xmlns:a="http://schemas.openxmlformats.org/drawingml/2006/main" xmlns:r="http://schemas.openxmlformats.org/officeDocument/2006/relationships" xmlns:p="http://schemas.openxmlformats.org/presentationml/2006/main" type="tx">
   <p:cSld name="照片 - 3 联">
     <p:spTree>
       <p:nvGrpSpPr>
@@ -1886,7 +1966,9 @@
       <p:sp>
         <p:nvSpPr>
           <p:cNvPr id="83" name="Shape 83"/>
-          <p:cNvSpPr/>
+          <p:cNvSpPr>
+            <a:spLocks noGrp="1"/>
+          </p:cNvSpPr>
           <p:nvPr>
             <p:ph type="pic" sz="quarter" idx="13"/>
           </p:nvPr>
@@ -1906,14 +1988,16 @@
           </a:bodyPr>
           <a:lstStyle/>
           <a:p>
-            <a:pPr/>
+            <a:endParaRPr/>
           </a:p>
         </p:txBody>
       </p:sp>
       <p:sp>
         <p:nvSpPr>
           <p:cNvPr id="84" name="Shape 84"/>
-          <p:cNvSpPr/>
+          <p:cNvSpPr>
+            <a:spLocks noGrp="1"/>
+          </p:cNvSpPr>
           <p:nvPr>
             <p:ph type="pic" sz="quarter" idx="14"/>
           </p:nvPr>
@@ -1933,14 +2017,16 @@
           </a:bodyPr>
           <a:lstStyle/>
           <a:p>
-            <a:pPr/>
+            <a:endParaRPr/>
           </a:p>
         </p:txBody>
       </p:sp>
       <p:sp>
         <p:nvSpPr>
           <p:cNvPr id="85" name="Shape 85"/>
-          <p:cNvSpPr/>
+          <p:cNvSpPr>
+            <a:spLocks noGrp="1"/>
+          </p:cNvSpPr>
           <p:nvPr>
             <p:ph type="pic" sz="half" idx="15"/>
           </p:nvPr>
@@ -1960,14 +2046,16 @@
           </a:bodyPr>
           <a:lstStyle/>
           <a:p>
-            <a:pPr/>
+            <a:endParaRPr/>
           </a:p>
         </p:txBody>
       </p:sp>
       <p:sp>
         <p:nvSpPr>
           <p:cNvPr id="86" name="Shape 86"/>
-          <p:cNvSpPr/>
+          <p:cNvSpPr>
+            <a:spLocks noGrp="1"/>
+          </p:cNvSpPr>
           <p:nvPr>
             <p:ph type="sldNum" sz="quarter" idx="2"/>
           </p:nvPr>
@@ -1981,8 +2069,10 @@
           <a:bodyPr/>
           <a:lstStyle/>
           <a:p>
-            <a:pPr/>
-            <a:fld id="{86CB4B4D-7CA3-9044-876B-883B54F8677D}" type="slidenum"/>
+            <a:fld id="{86CB4B4D-7CA3-9044-876B-883B54F8677D}" type="slidenum">
+              <a:t>‹#›</a:t>
+            </a:fld>
+            <a:endParaRPr/>
           </a:p>
         </p:txBody>
       </p:sp>
@@ -1991,7 +2081,7 @@
   <p:clrMapOvr>
     <a:masterClrMapping/>
   </p:clrMapOvr>
-  <p:transition xmlns:p14="http://schemas.microsoft.com/office/powerpoint/2010/main" spd="med" advClick="1"/>
+  <p:transition spd="med"/>
 </p:sldLayout>
 </file>
 
@@ -2001,12 +2091,13 @@
     <p:bg>
       <p:bgPr>
         <a:blipFill rotWithShape="1">
-          <a:blip r:embed="rId2"/>
-          <a:srcRect l="0" t="0" r="0" b="0"/>
+          <a:blip r:embed="rId14"/>
+          <a:srcRect/>
           <a:stretch>
             <a:fillRect/>
           </a:stretch>
         </a:blipFill>
+        <a:effectLst/>
       </p:bgPr>
     </p:bg>
     <p:spTree>
@@ -2026,7 +2117,9 @@
       <p:sp>
         <p:nvSpPr>
           <p:cNvPr id="2" name="Shape 2"/>
-          <p:cNvSpPr/>
+          <p:cNvSpPr>
+            <a:spLocks noGrp="1"/>
+          </p:cNvSpPr>
           <p:nvPr>
             <p:ph type="title"/>
           </p:nvPr>
@@ -2050,11 +2143,10 @@
         </p:spPr>
         <p:txBody>
           <a:bodyPr lIns="50800" tIns="50800" rIns="50800" bIns="50800" anchor="ctr">
-            <a:normAutofit fontScale="100000" lnSpcReduction="0"/>
+            <a:normAutofit/>
           </a:bodyPr>
           <a:lstStyle/>
           <a:p>
-            <a:pPr/>
             <a:r>
               <a:t>标题文本</a:t>
             </a:r>
@@ -2064,7 +2156,9 @@
       <p:sp>
         <p:nvSpPr>
           <p:cNvPr id="3" name="Shape 3"/>
-          <p:cNvSpPr/>
+          <p:cNvSpPr>
+            <a:spLocks noGrp="1"/>
+          </p:cNvSpPr>
           <p:nvPr>
             <p:ph type="body" idx="1"/>
           </p:nvPr>
@@ -2088,11 +2182,10 @@
         </p:spPr>
         <p:txBody>
           <a:bodyPr lIns="50800" tIns="50800" rIns="50800" bIns="50800" anchor="ctr">
-            <a:normAutofit fontScale="100000" lnSpcReduction="0"/>
+            <a:normAutofit/>
           </a:bodyPr>
           <a:lstStyle/>
           <a:p>
-            <a:pPr/>
             <a:r>
               <a:t>正文级别 1</a:t>
             </a:r>
@@ -2126,7 +2219,9 @@
       <p:sp>
         <p:nvSpPr>
           <p:cNvPr id="4" name="Shape 4"/>
-          <p:cNvSpPr/>
+          <p:cNvSpPr>
+            <a:spLocks noGrp="1"/>
+          </p:cNvSpPr>
           <p:nvPr>
             <p:ph type="sldNum" sz="quarter" idx="2"/>
           </p:nvPr>
@@ -2153,8 +2248,10 @@
             </a:lvl1pPr>
           </a:lstStyle>
           <a:p>
-            <a:pPr/>
-            <a:fld id="{86CB4B4D-7CA3-9044-876B-883B54F8677D}" type="slidenum"/>
+            <a:fld id="{86CB4B4D-7CA3-9044-876B-883B54F8677D}" type="slidenum">
+              <a:t>‹#›</a:t>
+            </a:fld>
+            <a:endParaRPr/>
           </a:p>
         </p:txBody>
       </p:sp>
@@ -2162,20 +2259,20 @@
   </p:cSld>
   <p:clrMap bg1="dk1" tx1="lt1" bg2="dk2" tx2="lt2" accent1="accent1" accent2="accent2" accent3="accent3" accent4="accent4" accent5="accent5" accent6="accent6" hlink="hlink" folHlink="folHlink"/>
   <p:sldLayoutIdLst>
-    <p:sldLayoutId id="2147483649" r:id="rId3"/>
-    <p:sldLayoutId id="2147483650" r:id="rId4"/>
-    <p:sldLayoutId id="2147483651" r:id="rId5"/>
-    <p:sldLayoutId id="2147483652" r:id="rId6"/>
-    <p:sldLayoutId id="2147483653" r:id="rId7"/>
-    <p:sldLayoutId id="2147483654" r:id="rId8"/>
-    <p:sldLayoutId id="2147483655" r:id="rId9"/>
-    <p:sldLayoutId id="2147483656" r:id="rId10"/>
-    <p:sldLayoutId id="2147483657" r:id="rId11"/>
-    <p:sldLayoutId id="2147483658" r:id="rId12"/>
-    <p:sldLayoutId id="2147483659" r:id="rId13"/>
-    <p:sldLayoutId id="2147483660" r:id="rId14"/>
+    <p:sldLayoutId id="2147483649" r:id="rId1"/>
+    <p:sldLayoutId id="2147483650" r:id="rId2"/>
+    <p:sldLayoutId id="2147483651" r:id="rId3"/>
+    <p:sldLayoutId id="2147483652" r:id="rId4"/>
+    <p:sldLayoutId id="2147483653" r:id="rId5"/>
+    <p:sldLayoutId id="2147483654" r:id="rId6"/>
+    <p:sldLayoutId id="2147483655" r:id="rId7"/>
+    <p:sldLayoutId id="2147483656" r:id="rId8"/>
+    <p:sldLayoutId id="2147483657" r:id="rId9"/>
+    <p:sldLayoutId id="2147483658" r:id="rId10"/>
+    <p:sldLayoutId id="2147483659" r:id="rId11"/>
+    <p:sldLayoutId id="2147483660" r:id="rId12"/>
   </p:sldLayoutIdLst>
-  <p:transition xmlns:p14="http://schemas.microsoft.com/office/powerpoint/2010/main" spd="med" advClick="1"/>
+  <p:transition spd="med"/>
   <p:txStyles>
     <p:titleStyle>
       <a:lvl1pPr marL="0" marR="0" indent="0" algn="ctr" defTabSz="584200" rtl="0" latinLnBrk="0">
@@ -2193,7 +2290,7 @@
         <a:buFontTx/>
         <a:buNone/>
         <a:tabLst/>
-        <a:defRPr b="0" baseline="0" cap="none" i="0" spc="0" strike="noStrike" sz="8000" u="none">
+        <a:defRPr sz="8000" b="0" i="0" u="none" strike="noStrike" cap="none" spc="0" baseline="0">
           <a:ln>
             <a:noFill/>
           </a:ln>
@@ -2222,7 +2319,7 @@
         <a:buFontTx/>
         <a:buNone/>
         <a:tabLst/>
-        <a:defRPr b="0" baseline="0" cap="none" i="0" spc="0" strike="noStrike" sz="8000" u="none">
+        <a:defRPr sz="8000" b="0" i="0" u="none" strike="noStrike" cap="none" spc="0" baseline="0">
           <a:ln>
             <a:noFill/>
           </a:ln>
@@ -2251,7 +2348,7 @@
         <a:buFontTx/>
         <a:buNone/>
         <a:tabLst/>
-        <a:defRPr b="0" baseline="0" cap="none" i="0" spc="0" strike="noStrike" sz="8000" u="none">
+        <a:defRPr sz="8000" b="0" i="0" u="none" strike="noStrike" cap="none" spc="0" baseline="0">
           <a:ln>
             <a:noFill/>
           </a:ln>
@@ -2280,7 +2377,7 @@
         <a:buFontTx/>
         <a:buNone/>
         <a:tabLst/>
-        <a:defRPr b="0" baseline="0" cap="none" i="0" spc="0" strike="noStrike" sz="8000" u="none">
+        <a:defRPr sz="8000" b="0" i="0" u="none" strike="noStrike" cap="none" spc="0" baseline="0">
           <a:ln>
             <a:noFill/>
           </a:ln>
@@ -2309,7 +2406,7 @@
         <a:buFontTx/>
         <a:buNone/>
         <a:tabLst/>
-        <a:defRPr b="0" baseline="0" cap="none" i="0" spc="0" strike="noStrike" sz="8000" u="none">
+        <a:defRPr sz="8000" b="0" i="0" u="none" strike="noStrike" cap="none" spc="0" baseline="0">
           <a:ln>
             <a:noFill/>
           </a:ln>
@@ -2338,7 +2435,7 @@
         <a:buFontTx/>
         <a:buNone/>
         <a:tabLst/>
-        <a:defRPr b="0" baseline="0" cap="none" i="0" spc="0" strike="noStrike" sz="8000" u="none">
+        <a:defRPr sz="8000" b="0" i="0" u="none" strike="noStrike" cap="none" spc="0" baseline="0">
           <a:ln>
             <a:noFill/>
           </a:ln>
@@ -2367,7 +2464,7 @@
         <a:buFontTx/>
         <a:buNone/>
         <a:tabLst/>
-        <a:defRPr b="0" baseline="0" cap="none" i="0" spc="0" strike="noStrike" sz="8000" u="none">
+        <a:defRPr sz="8000" b="0" i="0" u="none" strike="noStrike" cap="none" spc="0" baseline="0">
           <a:ln>
             <a:noFill/>
           </a:ln>
@@ -2396,7 +2493,7 @@
         <a:buFontTx/>
         <a:buNone/>
         <a:tabLst/>
-        <a:defRPr b="0" baseline="0" cap="none" i="0" spc="0" strike="noStrike" sz="8000" u="none">
+        <a:defRPr sz="8000" b="0" i="0" u="none" strike="noStrike" cap="none" spc="0" baseline="0">
           <a:ln>
             <a:noFill/>
           </a:ln>
@@ -2425,7 +2522,7 @@
         <a:buFontTx/>
         <a:buNone/>
         <a:tabLst/>
-        <a:defRPr b="0" baseline="0" cap="none" i="0" spc="0" strike="noStrike" sz="8000" u="none">
+        <a:defRPr sz="8000" b="0" i="0" u="none" strike="noStrike" cap="none" spc="0" baseline="0">
           <a:ln>
             <a:noFill/>
           </a:ln>
@@ -2456,7 +2553,7 @@
         <a:buFontTx/>
         <a:buChar char="•"/>
         <a:tabLst/>
-        <a:defRPr b="0" baseline="0" cap="none" i="0" spc="0" strike="noStrike" sz="3800" u="none">
+        <a:defRPr sz="3800" b="0" i="0" u="none" strike="noStrike" cap="none" spc="0" baseline="0">
           <a:ln>
             <a:noFill/>
           </a:ln>
@@ -2485,7 +2582,7 @@
         <a:buFontTx/>
         <a:buChar char="•"/>
         <a:tabLst/>
-        <a:defRPr b="0" baseline="0" cap="none" i="0" spc="0" strike="noStrike" sz="3800" u="none">
+        <a:defRPr sz="3800" b="0" i="0" u="none" strike="noStrike" cap="none" spc="0" baseline="0">
           <a:ln>
             <a:noFill/>
           </a:ln>
@@ -2514,7 +2611,7 @@
         <a:buFontTx/>
         <a:buChar char="•"/>
         <a:tabLst/>
-        <a:defRPr b="0" baseline="0" cap="none" i="0" spc="0" strike="noStrike" sz="3800" u="none">
+        <a:defRPr sz="3800" b="0" i="0" u="none" strike="noStrike" cap="none" spc="0" baseline="0">
           <a:ln>
             <a:noFill/>
           </a:ln>
@@ -2543,7 +2640,7 @@
         <a:buFontTx/>
         <a:buChar char="•"/>
         <a:tabLst/>
-        <a:defRPr b="0" baseline="0" cap="none" i="0" spc="0" strike="noStrike" sz="3800" u="none">
+        <a:defRPr sz="3800" b="0" i="0" u="none" strike="noStrike" cap="none" spc="0" baseline="0">
           <a:ln>
             <a:noFill/>
           </a:ln>
@@ -2572,7 +2669,7 @@
         <a:buFontTx/>
         <a:buChar char="•"/>
         <a:tabLst/>
-        <a:defRPr b="0" baseline="0" cap="none" i="0" spc="0" strike="noStrike" sz="3800" u="none">
+        <a:defRPr sz="3800" b="0" i="0" u="none" strike="noStrike" cap="none" spc="0" baseline="0">
           <a:ln>
             <a:noFill/>
           </a:ln>
@@ -2601,7 +2698,7 @@
         <a:buFontTx/>
         <a:buChar char="•"/>
         <a:tabLst/>
-        <a:defRPr b="0" baseline="0" cap="none" i="0" spc="0" strike="noStrike" sz="3800" u="none">
+        <a:defRPr sz="3800" b="0" i="0" u="none" strike="noStrike" cap="none" spc="0" baseline="0">
           <a:ln>
             <a:noFill/>
           </a:ln>
@@ -2630,7 +2727,7 @@
         <a:buFontTx/>
         <a:buChar char="•"/>
         <a:tabLst/>
-        <a:defRPr b="0" baseline="0" cap="none" i="0" spc="0" strike="noStrike" sz="3800" u="none">
+        <a:defRPr sz="3800" b="0" i="0" u="none" strike="noStrike" cap="none" spc="0" baseline="0">
           <a:ln>
             <a:noFill/>
           </a:ln>
@@ -2659,7 +2756,7 @@
         <a:buFontTx/>
         <a:buChar char="•"/>
         <a:tabLst/>
-        <a:defRPr b="0" baseline="0" cap="none" i="0" spc="0" strike="noStrike" sz="3800" u="none">
+        <a:defRPr sz="3800" b="0" i="0" u="none" strike="noStrike" cap="none" spc="0" baseline="0">
           <a:ln>
             <a:noFill/>
           </a:ln>
@@ -2688,7 +2785,7 @@
         <a:buFontTx/>
         <a:buChar char="•"/>
         <a:tabLst/>
-        <a:defRPr b="0" baseline="0" cap="none" i="0" spc="0" strike="noStrike" sz="3800" u="none">
+        <a:defRPr sz="3800" b="0" i="0" u="none" strike="noStrike" cap="none" spc="0" baseline="0">
           <a:ln>
             <a:noFill/>
           </a:ln>
@@ -2719,7 +2816,7 @@
         <a:buFontTx/>
         <a:buNone/>
         <a:tabLst/>
-        <a:defRPr b="0" baseline="0" cap="none" i="0" spc="0" strike="noStrike" sz="1800" u="none">
+        <a:defRPr sz="1800" b="0" i="0" u="none" strike="noStrike" cap="none" spc="0" baseline="0">
           <a:ln>
             <a:noFill/>
           </a:ln>
@@ -2748,7 +2845,7 @@
         <a:buFontTx/>
         <a:buNone/>
         <a:tabLst/>
-        <a:defRPr b="0" baseline="0" cap="none" i="0" spc="0" strike="noStrike" sz="1800" u="none">
+        <a:defRPr sz="1800" b="0" i="0" u="none" strike="noStrike" cap="none" spc="0" baseline="0">
           <a:ln>
             <a:noFill/>
           </a:ln>
@@ -2777,7 +2874,7 @@
         <a:buFontTx/>
         <a:buNone/>
         <a:tabLst/>
-        <a:defRPr b="0" baseline="0" cap="none" i="0" spc="0" strike="noStrike" sz="1800" u="none">
+        <a:defRPr sz="1800" b="0" i="0" u="none" strike="noStrike" cap="none" spc="0" baseline="0">
           <a:ln>
             <a:noFill/>
           </a:ln>
@@ -2806,7 +2903,7 @@
         <a:buFontTx/>
         <a:buNone/>
         <a:tabLst/>
-        <a:defRPr b="0" baseline="0" cap="none" i="0" spc="0" strike="noStrike" sz="1800" u="none">
+        <a:defRPr sz="1800" b="0" i="0" u="none" strike="noStrike" cap="none" spc="0" baseline="0">
           <a:ln>
             <a:noFill/>
           </a:ln>
@@ -2835,7 +2932,7 @@
         <a:buFontTx/>
         <a:buNone/>
         <a:tabLst/>
-        <a:defRPr b="0" baseline="0" cap="none" i="0" spc="0" strike="noStrike" sz="1800" u="none">
+        <a:defRPr sz="1800" b="0" i="0" u="none" strike="noStrike" cap="none" spc="0" baseline="0">
           <a:ln>
             <a:noFill/>
           </a:ln>
@@ -2864,7 +2961,7 @@
         <a:buFontTx/>
         <a:buNone/>
         <a:tabLst/>
-        <a:defRPr b="0" baseline="0" cap="none" i="0" spc="0" strike="noStrike" sz="1800" u="none">
+        <a:defRPr sz="1800" b="0" i="0" u="none" strike="noStrike" cap="none" spc="0" baseline="0">
           <a:ln>
             <a:noFill/>
           </a:ln>
@@ -2893,7 +2990,7 @@
         <a:buFontTx/>
         <a:buNone/>
         <a:tabLst/>
-        <a:defRPr b="0" baseline="0" cap="none" i="0" spc="0" strike="noStrike" sz="1800" u="none">
+        <a:defRPr sz="1800" b="0" i="0" u="none" strike="noStrike" cap="none" spc="0" baseline="0">
           <a:ln>
             <a:noFill/>
           </a:ln>
@@ -2922,7 +3019,7 @@
         <a:buFontTx/>
         <a:buNone/>
         <a:tabLst/>
-        <a:defRPr b="0" baseline="0" cap="none" i="0" spc="0" strike="noStrike" sz="1800" u="none">
+        <a:defRPr sz="1800" b="0" i="0" u="none" strike="noStrike" cap="none" spc="0" baseline="0">
           <a:ln>
             <a:noFill/>
           </a:ln>
@@ -2951,7 +3048,7 @@
         <a:buFontTx/>
         <a:buNone/>
         <a:tabLst/>
-        <a:defRPr b="0" baseline="0" cap="none" i="0" spc="0" strike="noStrike" sz="1800" u="none">
+        <a:defRPr sz="1800" b="0" i="0" u="none" strike="noStrike" cap="none" spc="0" baseline="0">
           <a:ln>
             <a:noFill/>
           </a:ln>
@@ -2971,7 +3068,7 @@
 </file>
 
 <file path=ppt/slides/slide1.xml><?xml version="1.0" encoding="utf-8"?>
-<p:sld xmlns:a="http://schemas.openxmlformats.org/drawingml/2006/main" xmlns:r="http://schemas.openxmlformats.org/officeDocument/2006/relationships" xmlns:p="http://schemas.openxmlformats.org/presentationml/2006/main" showMasterSp="1" showMasterPhAnim="1">
+<p:sld xmlns:a="http://schemas.openxmlformats.org/drawingml/2006/main" xmlns:r="http://schemas.openxmlformats.org/officeDocument/2006/relationships" xmlns:p="http://schemas.openxmlformats.org/presentationml/2006/main">
   <p:cSld>
     <p:spTree>
       <p:nvGrpSpPr>
@@ -2990,7 +3087,9 @@
       <p:sp>
         <p:nvSpPr>
           <p:cNvPr id="119" name="Shape 119"/>
-          <p:cNvSpPr/>
+          <p:cNvSpPr>
+            <a:spLocks noGrp="1"/>
+          </p:cNvSpPr>
           <p:nvPr>
             <p:ph type="ctrTitle"/>
           </p:nvPr>
@@ -3004,7 +3103,6 @@
           <a:bodyPr/>
           <a:lstStyle/>
           <a:p>
-            <a:pPr/>
             <a:r>
               <a:t>CloudMusic</a:t>
             </a:r>
@@ -3014,7 +3112,9 @@
       <p:sp>
         <p:nvSpPr>
           <p:cNvPr id="120" name="Shape 120"/>
-          <p:cNvSpPr/>
+          <p:cNvSpPr>
+            <a:spLocks noGrp="1"/>
+          </p:cNvSpPr>
           <p:nvPr>
             <p:ph type="subTitle" sz="quarter" idx="1"/>
           </p:nvPr>
@@ -3028,7 +3128,6 @@
           <a:bodyPr/>
           <a:lstStyle/>
           <a:p>
-            <a:pPr/>
             <a:r>
               <a:t>NB15221 李旦 移游1511</a:t>
             </a:r>
@@ -3040,12 +3139,99 @@
   <p:clrMapOvr>
     <a:masterClrMapping/>
   </p:clrMapOvr>
-  <p:transition xmlns:p14="http://schemas.microsoft.com/office/powerpoint/2010/main" spd="med" advClick="1"/>
+  <mc:AlternateContent xmlns:mc="http://schemas.openxmlformats.org/markup-compatibility/2006">
+    <mc:Choice xmlns:p14="http://schemas.microsoft.com/office/powerpoint/2010/main" Requires="p14">
+      <p:transition spd="med" p14:dur="700">
+        <p:fade/>
+      </p:transition>
+    </mc:Choice>
+    <mc:Fallback>
+      <p:transition spd="med">
+        <p:fade/>
+      </p:transition>
+    </mc:Fallback>
+  </mc:AlternateContent>
+  <p:timing>
+    <p:tnLst>
+      <p:par>
+        <p:cTn id="1" dur="indefinite" restart="never" nodeType="tmRoot"/>
+      </p:par>
+    </p:tnLst>
+  </p:timing>
+</p:sld>
+</file>
+
+<file path=ppt/slides/slide10.xml><?xml version="1.0" encoding="utf-8"?>
+<p:sld xmlns:a="http://schemas.openxmlformats.org/drawingml/2006/main" xmlns:r="http://schemas.openxmlformats.org/officeDocument/2006/relationships" xmlns:p="http://schemas.openxmlformats.org/presentationml/2006/main">
+  <p:cSld>
+    <p:spTree>
+      <p:nvGrpSpPr>
+        <p:cNvPr id="1" name=""/>
+        <p:cNvGrpSpPr/>
+        <p:nvPr/>
+      </p:nvGrpSpPr>
+      <p:grpSpPr>
+        <a:xfrm>
+          <a:off x="0" y="0"/>
+          <a:ext cx="0" cy="0"/>
+          <a:chOff x="0" y="0"/>
+          <a:chExt cx="0" cy="0"/>
+        </a:xfrm>
+      </p:grpSpPr>
+      <p:sp>
+        <p:nvSpPr>
+          <p:cNvPr id="145" name="Shape 145"/>
+          <p:cNvSpPr>
+            <a:spLocks noGrp="1"/>
+          </p:cNvSpPr>
+          <p:nvPr>
+            <p:ph type="title"/>
+          </p:nvPr>
+        </p:nvSpPr>
+        <p:spPr>
+          <a:prstGeom prst="rect">
+            <a:avLst/>
+          </a:prstGeom>
+        </p:spPr>
+        <p:txBody>
+          <a:bodyPr/>
+          <a:lstStyle/>
+          <a:p>
+            <a:r>
+              <a:t>真机运行</a:t>
+            </a:r>
+          </a:p>
+        </p:txBody>
+      </p:sp>
+    </p:spTree>
+  </p:cSld>
+  <p:clrMapOvr>
+    <a:masterClrMapping/>
+  </p:clrMapOvr>
+  <mc:AlternateContent xmlns:mc="http://schemas.openxmlformats.org/markup-compatibility/2006">
+    <mc:Choice xmlns:p14="http://schemas.microsoft.com/office/powerpoint/2010/main" Requires="p14">
+      <p:transition spd="med" p14:dur="700">
+        <p:fade/>
+      </p:transition>
+    </mc:Choice>
+    <mc:Fallback>
+      <p:transition spd="med">
+        <p:fade/>
+      </p:transition>
+    </mc:Fallback>
+  </mc:AlternateContent>
+  <p:timing>
+    <p:tnLst>
+      <p:par>
+        <p:cTn id="1" dur="indefinite" restart="never" nodeType="tmRoot"/>
+      </p:par>
+    </p:tnLst>
+  </p:timing>
 </p:sld>
 </file>
 
 <file path=ppt/slides/slide2.xml><?xml version="1.0" encoding="utf-8"?>
-<p:sld xmlns:a="http://schemas.openxmlformats.org/drawingml/2006/main" xmlns:r="http://schemas.openxmlformats.org/officeDocument/2006/relationships" xmlns:p="http://schemas.openxmlformats.org/presentationml/2006/main" showMasterSp="1" showMasterPhAnim="1">
+<p:sld xmlns:a="http://schemas.openxmlformats.org/drawingml/2006/main" xmlns:r="http://schemas.openxmlformats.org/officeDocument/2006/relationships" xmlns:p="http://schemas.openxmlformats.org/presentationml/2006/main">
   <p:cSld>
     <p:spTree>
       <p:nvGrpSpPr>
@@ -3064,7 +3250,9 @@
       <p:sp>
         <p:nvSpPr>
           <p:cNvPr id="122" name="Shape 122"/>
-          <p:cNvSpPr/>
+          <p:cNvSpPr>
+            <a:spLocks noGrp="1"/>
+          </p:cNvSpPr>
           <p:nvPr>
             <p:ph type="body" idx="1"/>
           </p:nvPr>
@@ -3078,19 +3266,16 @@
           <a:bodyPr/>
           <a:lstStyle/>
           <a:p>
-            <a:pPr/>
             <a:r>
               <a:t>这是一个模仿的应用</a:t>
             </a:r>
           </a:p>
           <a:p>
-            <a:pPr/>
             <a:r>
               <a:t>模仿网易云音乐音乐播放以及界面</a:t>
             </a:r>
           </a:p>
           <a:p>
-            <a:pPr/>
             <a:r>
               <a:t>素材从网易云音乐中获取</a:t>
             </a:r>
@@ -3104,21 +3289,28 @@
   </p:clrMapOvr>
   <mc:AlternateContent xmlns:mc="http://schemas.openxmlformats.org/markup-compatibility/2006">
     <mc:Choice xmlns:p14="http://schemas.microsoft.com/office/powerpoint/2010/main" Requires="p14">
-      <p:transition spd="slow" advClick="1" p14:dur="1500">
-        <p:dissolve/>
+      <p:transition spd="med" p14:dur="700">
+        <p:fade/>
       </p:transition>
     </mc:Choice>
     <mc:Fallback>
-      <p:transition spd="slow">
+      <p:transition spd="med">
         <p:fade/>
       </p:transition>
     </mc:Fallback>
   </mc:AlternateContent>
+  <p:timing>
+    <p:tnLst>
+      <p:par>
+        <p:cTn id="1" dur="indefinite" restart="never" nodeType="tmRoot"/>
+      </p:par>
+    </p:tnLst>
+  </p:timing>
 </p:sld>
 </file>
 
 <file path=ppt/slides/slide3.xml><?xml version="1.0" encoding="utf-8"?>
-<p:sld xmlns:a="http://schemas.openxmlformats.org/drawingml/2006/main" xmlns:r="http://schemas.openxmlformats.org/officeDocument/2006/relationships" xmlns:p="http://schemas.openxmlformats.org/presentationml/2006/main" showMasterSp="1" showMasterPhAnim="1">
+<p:sld xmlns:a="http://schemas.openxmlformats.org/drawingml/2006/main" xmlns:r="http://schemas.openxmlformats.org/officeDocument/2006/relationships" xmlns:p="http://schemas.openxmlformats.org/presentationml/2006/main">
   <p:cSld>
     <p:spTree>
       <p:nvGrpSpPr>
@@ -3137,7 +3329,9 @@
       <p:sp>
         <p:nvSpPr>
           <p:cNvPr id="124" name="Shape 124"/>
-          <p:cNvSpPr/>
+          <p:cNvSpPr>
+            <a:spLocks noGrp="1"/>
+          </p:cNvSpPr>
           <p:nvPr>
             <p:ph type="title"/>
           </p:nvPr>
@@ -3159,7 +3353,6 @@
             </a:lvl1pPr>
           </a:lstStyle>
           <a:p>
-            <a:pPr/>
             <a:r>
               <a:t>实现的功能</a:t>
             </a:r>
@@ -3169,7 +3362,9 @@
       <p:sp>
         <p:nvSpPr>
           <p:cNvPr id="125" name="Shape 125"/>
-          <p:cNvSpPr/>
+          <p:cNvSpPr>
+            <a:spLocks noGrp="1"/>
+          </p:cNvSpPr>
           <p:nvPr>
             <p:ph type="body" idx="1"/>
           </p:nvPr>
@@ -3294,21 +3489,28 @@
   </p:clrMapOvr>
   <mc:AlternateContent xmlns:mc="http://schemas.openxmlformats.org/markup-compatibility/2006">
     <mc:Choice xmlns:p14="http://schemas.microsoft.com/office/powerpoint/2010/main" Requires="p14">
-      <p:transition spd="slow" advClick="1" p14:dur="1500">
-        <p:dissolve/>
+      <p:transition spd="med" p14:dur="700">
+        <p:fade/>
       </p:transition>
     </mc:Choice>
     <mc:Fallback>
-      <p:transition spd="slow">
+      <p:transition spd="med">
         <p:fade/>
       </p:transition>
     </mc:Fallback>
   </mc:AlternateContent>
+  <p:timing>
+    <p:tnLst>
+      <p:par>
+        <p:cTn id="1" dur="indefinite" restart="never" nodeType="tmRoot"/>
+      </p:par>
+    </p:tnLst>
+  </p:timing>
 </p:sld>
 </file>
 
 <file path=ppt/slides/slide4.xml><?xml version="1.0" encoding="utf-8"?>
-<p:sld xmlns:a="http://schemas.openxmlformats.org/drawingml/2006/main" xmlns:r="http://schemas.openxmlformats.org/officeDocument/2006/relationships" xmlns:p="http://schemas.openxmlformats.org/presentationml/2006/main" showMasterSp="1" showMasterPhAnim="1">
+<p:sld xmlns:a="http://schemas.openxmlformats.org/drawingml/2006/main" xmlns:r="http://schemas.openxmlformats.org/officeDocument/2006/relationships" xmlns:p="http://schemas.openxmlformats.org/presentationml/2006/main">
   <p:cSld>
     <p:spTree>
       <p:nvGrpSpPr>
@@ -3327,7 +3529,9 @@
       <p:sp>
         <p:nvSpPr>
           <p:cNvPr id="127" name="Shape 127"/>
-          <p:cNvSpPr/>
+          <p:cNvSpPr>
+            <a:spLocks noGrp="1"/>
+          </p:cNvSpPr>
           <p:nvPr>
             <p:ph type="title"/>
           </p:nvPr>
@@ -3349,7 +3553,6 @@
             </a:lvl1pPr>
           </a:lstStyle>
           <a:p>
-            <a:pPr/>
             <a:r>
               <a:t>制作的界面</a:t>
             </a:r>
@@ -3359,7 +3562,9 @@
       <p:sp>
         <p:nvSpPr>
           <p:cNvPr id="128" name="Shape 128"/>
-          <p:cNvSpPr/>
+          <p:cNvSpPr>
+            <a:spLocks noGrp="1"/>
+          </p:cNvSpPr>
           <p:nvPr>
             <p:ph type="body" idx="1"/>
           </p:nvPr>
@@ -3377,25 +3582,21 @@
           <a:bodyPr/>
           <a:lstStyle/>
           <a:p>
-            <a:pPr/>
             <a:r>
               <a:t>歌曲列表界面</a:t>
             </a:r>
           </a:p>
           <a:p>
-            <a:pPr/>
             <a:r>
               <a:t>播放界面</a:t>
             </a:r>
           </a:p>
           <a:p>
-            <a:pPr/>
             <a:r>
               <a:t>账号界面</a:t>
             </a:r>
           </a:p>
           <a:p>
-            <a:pPr/>
             <a:r>
               <a:t>歌曲搜索界面</a:t>
             </a:r>
@@ -3409,21 +3610,28 @@
   </p:clrMapOvr>
   <mc:AlternateContent xmlns:mc="http://schemas.openxmlformats.org/markup-compatibility/2006">
     <mc:Choice xmlns:p14="http://schemas.microsoft.com/office/powerpoint/2010/main" Requires="p14">
-      <p:transition spd="slow" advClick="1" p14:dur="1500">
-        <p:dissolve/>
+      <p:transition spd="med" p14:dur="700">
+        <p:fade/>
       </p:transition>
     </mc:Choice>
     <mc:Fallback>
-      <p:transition spd="slow">
+      <p:transition spd="med">
         <p:fade/>
       </p:transition>
     </mc:Fallback>
   </mc:AlternateContent>
+  <p:timing>
+    <p:tnLst>
+      <p:par>
+        <p:cTn id="1" dur="indefinite" restart="never" nodeType="tmRoot"/>
+      </p:par>
+    </p:tnLst>
+  </p:timing>
 </p:sld>
 </file>
 
 <file path=ppt/slides/slide5.xml><?xml version="1.0" encoding="utf-8"?>
-<p:sld xmlns:a="http://schemas.openxmlformats.org/drawingml/2006/main" xmlns:r="http://schemas.openxmlformats.org/officeDocument/2006/relationships" xmlns:p="http://schemas.openxmlformats.org/presentationml/2006/main" showMasterSp="1" showMasterPhAnim="1">
+<p:sld xmlns:a="http://schemas.openxmlformats.org/drawingml/2006/main" xmlns:r="http://schemas.openxmlformats.org/officeDocument/2006/relationships" xmlns:p="http://schemas.openxmlformats.org/presentationml/2006/main">
   <p:cSld>
     <p:spTree>
       <p:nvGrpSpPr>
@@ -3442,7 +3650,9 @@
       <p:sp>
         <p:nvSpPr>
           <p:cNvPr id="130" name="Shape 130"/>
-          <p:cNvSpPr/>
+          <p:cNvSpPr>
+            <a:spLocks noGrp="1"/>
+          </p:cNvSpPr>
           <p:nvPr>
             <p:ph type="title"/>
           </p:nvPr>
@@ -3464,7 +3674,6 @@
             </a:lvl1pPr>
           </a:lstStyle>
           <a:p>
-            <a:pPr/>
             <a:r>
               <a:t>如何制作 ——自定义控件</a:t>
             </a:r>
@@ -3474,7 +3683,9 @@
       <p:sp>
         <p:nvSpPr>
           <p:cNvPr id="131" name="Shape 131"/>
-          <p:cNvSpPr/>
+          <p:cNvSpPr>
+            <a:spLocks noGrp="1"/>
+          </p:cNvSpPr>
           <p:nvPr>
             <p:ph type="body" idx="1"/>
           </p:nvPr>
@@ -3492,33 +3703,28 @@
           <a:bodyPr/>
           <a:lstStyle/>
           <a:p>
-            <a:pPr/>
             <a:r>
               <a:t>自定义UINavigationController</a:t>
             </a:r>
           </a:p>
           <a:p>
-            <a:pPr/>
             <a:r>
               <a:t>自定义UIScrollerView</a:t>
             </a:r>
           </a:p>
           <a:p>
-            <a:pPr/>
             <a:r>
               <a:t>自定义UISlider</a:t>
             </a:r>
           </a:p>
           <a:p>
-            <a:pPr/>
             <a:r>
               <a:t>自定义UITableViewCell</a:t>
             </a:r>
           </a:p>
           <a:p>
-            <a:pPr/>
-            <a:r>
-              <a:t>……</a:t>
+            <a:r>
+              <a:t>动画的实现</a:t>
             </a:r>
           </a:p>
         </p:txBody>
@@ -3530,21 +3736,28 @@
   </p:clrMapOvr>
   <mc:AlternateContent xmlns:mc="http://schemas.openxmlformats.org/markup-compatibility/2006">
     <mc:Choice xmlns:p14="http://schemas.microsoft.com/office/powerpoint/2010/main" Requires="p14">
-      <p:transition spd="slow" advClick="1" p14:dur="1500">
-        <p:dissolve/>
+      <p:transition spd="med" p14:dur="700">
+        <p:fade/>
       </p:transition>
     </mc:Choice>
     <mc:Fallback>
-      <p:transition spd="slow">
+      <p:transition spd="med">
         <p:fade/>
       </p:transition>
     </mc:Fallback>
   </mc:AlternateContent>
+  <p:timing>
+    <p:tnLst>
+      <p:par>
+        <p:cTn id="1" dur="indefinite" restart="never" nodeType="tmRoot"/>
+      </p:par>
+    </p:tnLst>
+  </p:timing>
 </p:sld>
 </file>
 
 <file path=ppt/slides/slide6.xml><?xml version="1.0" encoding="utf-8"?>
-<p:sld xmlns:a="http://schemas.openxmlformats.org/drawingml/2006/main" xmlns:r="http://schemas.openxmlformats.org/officeDocument/2006/relationships" xmlns:p="http://schemas.openxmlformats.org/presentationml/2006/main" showMasterSp="1" showMasterPhAnim="1">
+<p:sld xmlns:a="http://schemas.openxmlformats.org/drawingml/2006/main" xmlns:r="http://schemas.openxmlformats.org/officeDocument/2006/relationships" xmlns:p="http://schemas.openxmlformats.org/presentationml/2006/main">
   <p:cSld>
     <p:spTree>
       <p:nvGrpSpPr>
@@ -3563,7 +3776,261 @@
       <p:sp>
         <p:nvSpPr>
           <p:cNvPr id="133" name="Shape 133"/>
-          <p:cNvSpPr/>
+          <p:cNvSpPr>
+            <a:spLocks noGrp="1"/>
+          </p:cNvSpPr>
+          <p:nvPr>
+            <p:ph type="body" idx="1"/>
+          </p:nvPr>
+        </p:nvSpPr>
+        <p:spPr>
+          <a:prstGeom prst="rect">
+            <a:avLst/>
+          </a:prstGeom>
+        </p:spPr>
+        <p:txBody>
+          <a:bodyPr/>
+          <a:lstStyle/>
+          <a:p>
+            <a:r>
+              <a:t>自定义UINavigationController</a:t>
+            </a:r>
+          </a:p>
+          <a:p>
+            <a:r>
+              <a:t>自定义要隐藏NavigationBar</a:t>
+            </a:r>
+          </a:p>
+          <a:p>
+            <a:r>
+              <a:t>要注意动画的实现</a:t>
+            </a:r>
+          </a:p>
+          <a:p>
+            <a:r>
+              <a:t>自定义popNavigationController</a:t>
+            </a:r>
+          </a:p>
+          <a:p>
+            <a:r>
+              <a:t>自定义对内部组件的封装</a:t>
+            </a:r>
+          </a:p>
+        </p:txBody>
+      </p:sp>
+    </p:spTree>
+  </p:cSld>
+  <p:clrMapOvr>
+    <a:masterClrMapping/>
+  </p:clrMapOvr>
+  <mc:AlternateContent xmlns:mc="http://schemas.openxmlformats.org/markup-compatibility/2006">
+    <mc:Choice xmlns:p14="http://schemas.microsoft.com/office/powerpoint/2010/main" Requires="p14">
+      <p:transition spd="med" p14:dur="700">
+        <p:fade/>
+      </p:transition>
+    </mc:Choice>
+    <mc:Fallback>
+      <p:transition spd="med">
+        <p:fade/>
+      </p:transition>
+    </mc:Fallback>
+  </mc:AlternateContent>
+  <p:timing>
+    <p:tnLst>
+      <p:par>
+        <p:cTn id="1" dur="indefinite" restart="never" nodeType="tmRoot"/>
+      </p:par>
+    </p:tnLst>
+  </p:timing>
+</p:sld>
+</file>
+
+<file path=ppt/slides/slide7.xml><?xml version="1.0" encoding="utf-8"?>
+<p:sld xmlns:a="http://schemas.openxmlformats.org/drawingml/2006/main" xmlns:r="http://schemas.openxmlformats.org/officeDocument/2006/relationships" xmlns:p="http://schemas.openxmlformats.org/presentationml/2006/main">
+  <p:cSld>
+    <p:spTree>
+      <p:nvGrpSpPr>
+        <p:cNvPr id="1" name=""/>
+        <p:cNvGrpSpPr/>
+        <p:nvPr/>
+      </p:nvGrpSpPr>
+      <p:grpSpPr>
+        <a:xfrm>
+          <a:off x="0" y="0"/>
+          <a:ext cx="0" cy="0"/>
+          <a:chOff x="0" y="0"/>
+          <a:chExt cx="0" cy="0"/>
+        </a:xfrm>
+      </p:grpSpPr>
+      <p:sp>
+        <p:nvSpPr>
+          <p:cNvPr id="135" name="Shape 135"/>
+          <p:cNvSpPr>
+            <a:spLocks noGrp="1"/>
+          </p:cNvSpPr>
+          <p:nvPr>
+            <p:ph type="body" idx="1"/>
+          </p:nvPr>
+        </p:nvSpPr>
+        <p:spPr>
+          <a:prstGeom prst="rect">
+            <a:avLst/>
+          </a:prstGeom>
+        </p:spPr>
+        <p:txBody>
+          <a:bodyPr/>
+          <a:lstStyle/>
+          <a:p>
+            <a:r>
+              <a:t>自定义UIScrollerView</a:t>
+            </a:r>
+          </a:p>
+          <a:p>
+            <a:r>
+              <a:t>对scroller系列方法的实现</a:t>
+            </a:r>
+          </a:p>
+          <a:p>
+            <a:r>
+              <a:t>动画的实现</a:t>
+            </a:r>
+          </a:p>
+          <a:p>
+            <a:r>
+              <a:t>自定义对内部组件的封装</a:t>
+            </a:r>
+          </a:p>
+        </p:txBody>
+      </p:sp>
+    </p:spTree>
+  </p:cSld>
+  <p:clrMapOvr>
+    <a:masterClrMapping/>
+  </p:clrMapOvr>
+  <mc:AlternateContent xmlns:mc="http://schemas.openxmlformats.org/markup-compatibility/2006">
+    <mc:Choice xmlns:p14="http://schemas.microsoft.com/office/powerpoint/2010/main" Requires="p14">
+      <p:transition spd="med" p14:dur="700">
+        <p:fade/>
+      </p:transition>
+    </mc:Choice>
+    <mc:Fallback>
+      <p:transition spd="med">
+        <p:fade/>
+      </p:transition>
+    </mc:Fallback>
+  </mc:AlternateContent>
+  <p:timing>
+    <p:tnLst>
+      <p:par>
+        <p:cTn id="1" dur="indefinite" restart="never" nodeType="tmRoot"/>
+      </p:par>
+    </p:tnLst>
+  </p:timing>
+</p:sld>
+</file>
+
+<file path=ppt/slides/slide8.xml><?xml version="1.0" encoding="utf-8"?>
+<p:sld xmlns:a="http://schemas.openxmlformats.org/drawingml/2006/main" xmlns:r="http://schemas.openxmlformats.org/officeDocument/2006/relationships" xmlns:p="http://schemas.openxmlformats.org/presentationml/2006/main">
+  <p:cSld>
+    <p:spTree>
+      <p:nvGrpSpPr>
+        <p:cNvPr id="1" name=""/>
+        <p:cNvGrpSpPr/>
+        <p:nvPr/>
+      </p:nvGrpSpPr>
+      <p:grpSpPr>
+        <a:xfrm>
+          <a:off x="0" y="0"/>
+          <a:ext cx="0" cy="0"/>
+          <a:chOff x="0" y="0"/>
+          <a:chExt cx="0" cy="0"/>
+        </a:xfrm>
+      </p:grpSpPr>
+      <p:sp>
+        <p:nvSpPr>
+          <p:cNvPr id="137" name="Shape 137"/>
+          <p:cNvSpPr>
+            <a:spLocks noGrp="1"/>
+          </p:cNvSpPr>
+          <p:nvPr>
+            <p:ph type="body" idx="1"/>
+          </p:nvPr>
+        </p:nvSpPr>
+        <p:spPr>
+          <a:prstGeom prst="rect">
+            <a:avLst/>
+          </a:prstGeom>
+        </p:spPr>
+        <p:txBody>
+          <a:bodyPr/>
+          <a:lstStyle/>
+          <a:p>
+            <a:r>
+              <a:t>自定义UISlider</a:t>
+            </a:r>
+          </a:p>
+          <a:p>
+            <a:r>
+              <a:t>自定义的thumbImage、Mini、MaximumTrackImage的图像</a:t>
+            </a:r>
+          </a:p>
+          <a:p>
+            <a:r>
+              <a:t>以及thumbImage的起始和终止位置</a:t>
+            </a:r>
+          </a:p>
+        </p:txBody>
+      </p:sp>
+    </p:spTree>
+  </p:cSld>
+  <p:clrMapOvr>
+    <a:masterClrMapping/>
+  </p:clrMapOvr>
+  <mc:AlternateContent xmlns:mc="http://schemas.openxmlformats.org/markup-compatibility/2006">
+    <mc:Choice xmlns:p14="http://schemas.microsoft.com/office/powerpoint/2010/main" Requires="p14">
+      <p:transition spd="med" p14:dur="700">
+        <p:fade/>
+      </p:transition>
+    </mc:Choice>
+    <mc:Fallback>
+      <p:transition spd="med">
+        <p:fade/>
+      </p:transition>
+    </mc:Fallback>
+  </mc:AlternateContent>
+  <p:timing>
+    <p:tnLst>
+      <p:par>
+        <p:cTn id="1" dur="indefinite" restart="never" nodeType="tmRoot"/>
+      </p:par>
+    </p:tnLst>
+  </p:timing>
+</p:sld>
+</file>
+
+<file path=ppt/slides/slide9.xml><?xml version="1.0" encoding="utf-8"?>
+<p:sld xmlns:a="http://schemas.openxmlformats.org/drawingml/2006/main" xmlns:r="http://schemas.openxmlformats.org/officeDocument/2006/relationships" xmlns:p="http://schemas.openxmlformats.org/presentationml/2006/main">
+  <p:cSld>
+    <p:spTree>
+      <p:nvGrpSpPr>
+        <p:cNvPr id="1" name=""/>
+        <p:cNvGrpSpPr/>
+        <p:nvPr/>
+      </p:nvGrpSpPr>
+      <p:grpSpPr>
+        <a:xfrm>
+          <a:off x="0" y="0"/>
+          <a:ext cx="0" cy="0"/>
+          <a:chOff x="0" y="0"/>
+          <a:chExt cx="0" cy="0"/>
+        </a:xfrm>
+      </p:grpSpPr>
+      <p:sp>
+        <p:nvSpPr>
+          <p:cNvPr id="139" name="Shape 139"/>
+          <p:cNvSpPr>
+            <a:spLocks noGrp="1"/>
+          </p:cNvSpPr>
           <p:nvPr>
             <p:ph type="title"/>
           </p:nvPr>
@@ -3585,7 +4052,6 @@
             </a:lvl1pPr>
           </a:lstStyle>
           <a:p>
-            <a:pPr/>
             <a:r>
               <a:t>界面展示</a:t>
             </a:r>
@@ -3594,7 +4060,7 @@
       </p:sp>
       <p:pic>
         <p:nvPicPr>
-          <p:cNvPr id="134" name="Simulator Screen Shot 2015年12月31日 下午6.44.19.png"/>
+          <p:cNvPr id="140" name="Simulator Screen Shot 2015年12月31日 下午6.44.19.png"/>
           <p:cNvPicPr>
             <a:picLocks noChangeAspect="1"/>
           </p:cNvPicPr>
@@ -3623,7 +4089,7 @@
       </p:pic>
       <p:pic>
         <p:nvPicPr>
-          <p:cNvPr id="135" name="Simulator Screen Shot 2015年12月31日 下午5.36.59.png"/>
+          <p:cNvPr id="141" name="Simulator Screen Shot 2015年12月31日 下午5.36.59.png"/>
           <p:cNvPicPr>
             <a:picLocks noChangeAspect="1"/>
           </p:cNvPicPr>
@@ -3652,7 +4118,7 @@
       </p:pic>
       <p:pic>
         <p:nvPicPr>
-          <p:cNvPr id="136" name="Simulator Screen Shot 2015年12月31日 下午6.24.38.png"/>
+          <p:cNvPr id="142" name="Simulator Screen Shot 2015年12月31日 下午6.24.38.png"/>
           <p:cNvPicPr>
             <a:picLocks noChangeAspect="1"/>
           </p:cNvPicPr>
@@ -3681,7 +4147,7 @@
       </p:pic>
       <p:pic>
         <p:nvPicPr>
-          <p:cNvPr id="137" name="Simulator Screen Shot 2015年12月31日 下午6.32.01.png"/>
+          <p:cNvPr id="143" name="Simulator Screen Shot 2015年12月31日 下午6.32.01.png"/>
           <p:cNvPicPr>
             <a:picLocks noChangeAspect="1"/>
           </p:cNvPicPr>
@@ -3715,12 +4181,12 @@
   </p:clrMapOvr>
   <mc:AlternateContent xmlns:mc="http://schemas.openxmlformats.org/markup-compatibility/2006">
     <mc:Choice xmlns:p14="http://schemas.microsoft.com/office/powerpoint/2010/main" Requires="p14">
-      <p:transition spd="slow" advClick="1" p14:dur="1500">
-        <p:dissolve/>
+      <p:transition spd="med" p14:dur="700">
+        <p:fade/>
       </p:transition>
     </mc:Choice>
     <mc:Fallback>
-      <p:transition spd="slow">
+      <p:transition spd="med">
         <p:fade/>
       </p:transition>
     </mc:Fallback>
@@ -3728,10 +4194,10 @@
   <p:timing>
     <p:tnLst>
       <p:par>
-        <p:cTn id="1" nodeType="tmRoot" restart="never" dur="indefinite" fill="hold">
+        <p:cTn id="1" dur="indefinite" restart="never" fill="hold" nodeType="tmRoot">
           <p:childTnLst>
             <p:seq concurrent="1" prevAc="none" nextAc="seek">
-              <p:cTn id="2" nodeType="mainSeq" dur="indefinite" fill="hold">
+              <p:cTn id="2" dur="indefinite" fill="hold" nodeType="mainSeq">
                 <p:childTnLst>
                   <p:par>
                     <p:cTn id="3" fill="hold">
@@ -3746,11 +4212,11 @@
                             </p:stCondLst>
                             <p:childTnLst>
                               <p:par>
-                                <p:cTn id="5" presetClass="entr" nodeType="clickEffect" presetSubtype="8" presetID="22" grpId="1" fill="hold">
+                                <p:cTn id="5" presetID="22" presetClass="entr" presetSubtype="8" fill="hold" grpId="1" nodeType="clickEffect">
                                   <p:stCondLst>
                                     <p:cond delay="0"/>
                                   </p:stCondLst>
-                                  <p:iterate type="el" backwards="0">
+                                  <p:iterate>
                                     <p:tmAbs val="0"/>
                                   </p:iterate>
                                   <p:childTnLst>
@@ -3758,7 +4224,7 @@
                                       <p:cBhvr>
                                         <p:cTn id="6" fill="hold"/>
                                         <p:tgtEl>
-                                          <p:spTgt spid="134"/>
+                                          <p:spTgt spid="140"/>
                                         </p:tgtEl>
                                         <p:attrNameLst>
                                           <p:attrName>style.visibility</p:attrName>
@@ -3768,11 +4234,11 @@
                                         <p:strVal val="visible"/>
                                       </p:to>
                                     </p:set>
-                                    <p:animEffect filter="wipe(left)" transition="in">
+                                    <p:animEffect transition="in" filter="wipe(left)">
                                       <p:cBhvr>
                                         <p:cTn id="7" dur="2000"/>
                                         <p:tgtEl>
-                                          <p:spTgt spid="134"/>
+                                          <p:spTgt spid="140"/>
                                         </p:tgtEl>
                                       </p:cBhvr>
                                     </p:animEffect>
@@ -3798,11 +4264,11 @@
                             </p:stCondLst>
                             <p:childTnLst>
                               <p:par>
-                                <p:cTn id="10" presetClass="entr" nodeType="clickEffect" presetSubtype="8" presetID="22" grpId="2" fill="hold">
+                                <p:cTn id="10" presetID="22" presetClass="entr" presetSubtype="8" fill="hold" grpId="2" nodeType="clickEffect">
                                   <p:stCondLst>
                                     <p:cond delay="0"/>
                                   </p:stCondLst>
-                                  <p:iterate type="el" backwards="0">
+                                  <p:iterate>
                                     <p:tmAbs val="0"/>
                                   </p:iterate>
                                   <p:childTnLst>
@@ -3810,7 +4276,7 @@
                                       <p:cBhvr>
                                         <p:cTn id="11" fill="hold"/>
                                         <p:tgtEl>
-                                          <p:spTgt spid="135"/>
+                                          <p:spTgt spid="141"/>
                                         </p:tgtEl>
                                         <p:attrNameLst>
                                           <p:attrName>style.visibility</p:attrName>
@@ -3820,11 +4286,11 @@
                                         <p:strVal val="visible"/>
                                       </p:to>
                                     </p:set>
-                                    <p:animEffect filter="wipe(left)" transition="in">
+                                    <p:animEffect transition="in" filter="wipe(left)">
                                       <p:cBhvr>
                                         <p:cTn id="12" dur="2000"/>
                                         <p:tgtEl>
-                                          <p:spTgt spid="135"/>
+                                          <p:spTgt spid="141"/>
                                         </p:tgtEl>
                                       </p:cBhvr>
                                     </p:animEffect>
@@ -3850,11 +4316,11 @@
                             </p:stCondLst>
                             <p:childTnLst>
                               <p:par>
-                                <p:cTn id="15" presetClass="entr" nodeType="clickEffect" presetSubtype="8" presetID="22" grpId="3" fill="hold">
+                                <p:cTn id="15" presetID="22" presetClass="entr" presetSubtype="8" fill="hold" grpId="3" nodeType="clickEffect">
                                   <p:stCondLst>
                                     <p:cond delay="0"/>
                                   </p:stCondLst>
-                                  <p:iterate type="el" backwards="0">
+                                  <p:iterate>
                                     <p:tmAbs val="0"/>
                                   </p:iterate>
                                   <p:childTnLst>
@@ -3862,7 +4328,7 @@
                                       <p:cBhvr>
                                         <p:cTn id="16" fill="hold"/>
                                         <p:tgtEl>
-                                          <p:spTgt spid="136"/>
+                                          <p:spTgt spid="142"/>
                                         </p:tgtEl>
                                         <p:attrNameLst>
                                           <p:attrName>style.visibility</p:attrName>
@@ -3872,11 +4338,11 @@
                                         <p:strVal val="visible"/>
                                       </p:to>
                                     </p:set>
-                                    <p:animEffect filter="wipe(left)" transition="in">
+                                    <p:animEffect transition="in" filter="wipe(left)">
                                       <p:cBhvr>
                                         <p:cTn id="17" dur="2000"/>
                                         <p:tgtEl>
-                                          <p:spTgt spid="136"/>
+                                          <p:spTgt spid="142"/>
                                         </p:tgtEl>
                                       </p:cBhvr>
                                     </p:animEffect>
@@ -3902,11 +4368,11 @@
                             </p:stCondLst>
                             <p:childTnLst>
                               <p:par>
-                                <p:cTn id="20" presetClass="entr" nodeType="clickEffect" presetSubtype="8" presetID="22" grpId="4" fill="hold">
+                                <p:cTn id="20" presetID="22" presetClass="entr" presetSubtype="8" fill="hold" grpId="4" nodeType="clickEffect">
                                   <p:stCondLst>
                                     <p:cond delay="0"/>
                                   </p:stCondLst>
-                                  <p:iterate type="el" backwards="0">
+                                  <p:iterate>
                                     <p:tmAbs val="0"/>
                                   </p:iterate>
                                   <p:childTnLst>
@@ -3914,7 +4380,7 @@
                                       <p:cBhvr>
                                         <p:cTn id="21" fill="hold"/>
                                         <p:tgtEl>
-                                          <p:spTgt spid="137"/>
+                                          <p:spTgt spid="143"/>
                                         </p:tgtEl>
                                         <p:attrNameLst>
                                           <p:attrName>style.visibility</p:attrName>
@@ -3924,11 +4390,11 @@
                                         <p:strVal val="visible"/>
                                       </p:to>
                                     </p:set>
-                                    <p:animEffect filter="wipe(left)" transition="in">
+                                    <p:animEffect transition="in" filter="wipe(left)">
                                       <p:cBhvr>
                                         <p:cTn id="22" dur="2000"/>
                                         <p:tgtEl>
-                                          <p:spTgt spid="137"/>
+                                          <p:spTgt spid="143"/>
                                         </p:tgtEl>
                                       </p:cBhvr>
                                     </p:animEffect>
@@ -3944,14 +4410,14 @@
                 </p:childTnLst>
               </p:cTn>
               <p:prevCondLst>
-                <p:cond evt="onPrev">
+                <p:cond evt="onPrev" delay="0">
                   <p:tgtEl>
                     <p:sldTgt/>
                   </p:tgtEl>
                 </p:cond>
               </p:prevCondLst>
               <p:nextCondLst>
-                <p:cond evt="onNext">
+                <p:cond evt="onNext" delay="0">
                   <p:tgtEl>
                     <p:sldTgt/>
                   </p:tgtEl>
@@ -3963,78 +4429,17 @@
       </p:par>
     </p:tnLst>
     <p:bldLst>
-      <p:bldP build="whole" bldLvl="1" animBg="1" rev="0" advAuto="0" spid="135" grpId="2"/>
-      <p:bldP build="whole" bldLvl="1" animBg="1" rev="0" advAuto="0" spid="134" grpId="1"/>
-      <p:bldP build="whole" bldLvl="1" animBg="1" rev="0" advAuto="0" spid="136" grpId="3"/>
-      <p:bldP build="whole" bldLvl="1" animBg="1" rev="0" advAuto="0" spid="137" grpId="4"/>
+      <p:bldP spid="140" grpId="1" animBg="1" advAuto="0"/>
+      <p:bldP spid="141" grpId="2" animBg="1" advAuto="0"/>
+      <p:bldP spid="142" grpId="3" animBg="1" advAuto="0"/>
+      <p:bldP spid="143" grpId="4" animBg="1" advAuto="0"/>
     </p:bldLst>
   </p:timing>
 </p:sld>
 </file>
 
-<file path=ppt/slides/slide7.xml><?xml version="1.0" encoding="utf-8"?>
-<p:sld xmlns:a="http://schemas.openxmlformats.org/drawingml/2006/main" xmlns:r="http://schemas.openxmlformats.org/officeDocument/2006/relationships" xmlns:p="http://schemas.openxmlformats.org/presentationml/2006/main" showMasterSp="1" showMasterPhAnim="1">
-  <p:cSld>
-    <p:spTree>
-      <p:nvGrpSpPr>
-        <p:cNvPr id="1" name=""/>
-        <p:cNvGrpSpPr/>
-        <p:nvPr/>
-      </p:nvGrpSpPr>
-      <p:grpSpPr>
-        <a:xfrm>
-          <a:off x="0" y="0"/>
-          <a:ext cx="0" cy="0"/>
-          <a:chOff x="0" y="0"/>
-          <a:chExt cx="0" cy="0"/>
-        </a:xfrm>
-      </p:grpSpPr>
-      <p:sp>
-        <p:nvSpPr>
-          <p:cNvPr id="139" name="Shape 139"/>
-          <p:cNvSpPr/>
-          <p:nvPr>
-            <p:ph type="title"/>
-          </p:nvPr>
-        </p:nvSpPr>
-        <p:spPr>
-          <a:prstGeom prst="rect">
-            <a:avLst/>
-          </a:prstGeom>
-        </p:spPr>
-        <p:txBody>
-          <a:bodyPr/>
-          <a:lstStyle/>
-          <a:p>
-            <a:pPr/>
-            <a:r>
-              <a:t>真机运行</a:t>
-            </a:r>
-          </a:p>
-        </p:txBody>
-      </p:sp>
-    </p:spTree>
-  </p:cSld>
-  <p:clrMapOvr>
-    <a:masterClrMapping/>
-  </p:clrMapOvr>
-  <mc:AlternateContent xmlns:mc="http://schemas.openxmlformats.org/markup-compatibility/2006">
-    <mc:Choice xmlns:p14="http://schemas.microsoft.com/office/powerpoint/2010/main" Requires="p14">
-      <p:transition spd="slow" advClick="1" p14:dur="1500">
-        <p:dissolve/>
-      </p:transition>
-    </mc:Choice>
-    <mc:Fallback>
-      <p:transition spd="slow">
-        <p:fade/>
-      </p:transition>
-    </mc:Fallback>
-  </mc:AlternateContent>
-</p:sld>
-</file>
-
 <file path=ppt/theme/theme1.xml><?xml version="1.0" encoding="utf-8"?>
-<a:theme xmlns:a="http://schemas.openxmlformats.org/drawingml/2006/main" xmlns:r="http://schemas.openxmlformats.org/officeDocument/2006/relationships" name="Gradient">
+<a:theme xmlns:a="http://schemas.openxmlformats.org/drawingml/2006/main" name="Gradient">
   <a:themeElements>
     <a:clrScheme name="Gradient">
       <a:dk1>
@@ -4160,7 +4565,7 @@
       <a:effectStyleLst>
         <a:effectStyle>
           <a:effectLst>
-            <a:outerShdw sx="100000" sy="100000" kx="0" ky="0" algn="b" rotWithShape="0" blurRad="76200" dist="0" dir="18900000">
+            <a:outerShdw blurRad="76200" dir="18900000" rotWithShape="0">
               <a:srgbClr val="000000">
                 <a:alpha val="80000"/>
               </a:srgbClr>
@@ -4169,7 +4574,7 @@
         </a:effectStyle>
         <a:effectStyle>
           <a:effectLst>
-            <a:outerShdw sx="100000" sy="100000" kx="0" ky="0" algn="b" rotWithShape="0" blurRad="76200" dist="0" dir="18900000">
+            <a:outerShdw blurRad="76200" dir="18900000" rotWithShape="0">
               <a:srgbClr val="000000">
                 <a:alpha val="80000"/>
               </a:srgbClr>
@@ -4178,7 +4583,7 @@
         </a:effectStyle>
         <a:effectStyle>
           <a:effectLst>
-            <a:outerShdw sx="100000" sy="100000" kx="0" ky="0" algn="b" rotWithShape="0" blurRad="76200" dist="0" dir="18900000">
+            <a:outerShdw blurRad="76200" dir="18900000" rotWithShape="0">
               <a:srgbClr val="000000">
                 <a:alpha val="80000"/>
               </a:srgbClr>
@@ -4261,7 +4666,7 @@
           <a:miter lim="400000"/>
         </a:ln>
         <a:effectLst>
-          <a:outerShdw sx="100000" sy="100000" kx="0" ky="0" algn="b" rotWithShape="0" blurRad="76200" dist="0" dir="18900000">
+          <a:outerShdw blurRad="76200" dir="18900000" rotWithShape="0">
             <a:srgbClr val="000000">
               <a:alpha val="80000"/>
             </a:srgbClr>
@@ -4269,7 +4674,7 @@
         </a:effectLst>
         <a:sp3d/>
       </a:spPr>
-      <a:bodyPr rot="0" spcFirstLastPara="1" vertOverflow="overflow" horzOverflow="overflow" vert="horz" wrap="square" lIns="50800" tIns="50800" rIns="50800" bIns="50800" numCol="1" spcCol="38100" rtlCol="0" anchor="ctr" upright="0">
+      <a:bodyPr rot="0" spcFirstLastPara="1" vertOverflow="overflow" horzOverflow="overflow" vert="horz" wrap="square" lIns="50800" tIns="50800" rIns="50800" bIns="50800" numCol="1" spcCol="38100" rtlCol="0" anchor="ctr">
         <a:spAutoFit/>
       </a:bodyPr>
       <a:lstStyle>
@@ -4288,7 +4693,7 @@
           <a:buFontTx/>
           <a:buNone/>
           <a:tabLst/>
-          <a:defRPr b="0" baseline="0" cap="none" i="0" spc="0" strike="noStrike" sz="2400" u="none" kumimoji="0" normalizeH="0">
+          <a:defRPr kumimoji="0" sz="2400" b="0" i="0" u="none" strike="noStrike" cap="none" spc="0" normalizeH="0" baseline="0">
             <a:ln>
               <a:noFill/>
             </a:ln>
@@ -4296,7 +4701,7 @@
               <a:srgbClr val="FFFFFF"/>
             </a:solidFill>
             <a:effectLst>
-              <a:outerShdw sx="100000" sy="100000" kx="0" ky="0" algn="b" rotWithShape="0" blurRad="25400" dist="23998" dir="2700000">
+              <a:outerShdw blurRad="25400" dist="23998" dir="2700000" rotWithShape="0">
                 <a:srgbClr val="000000">
                   <a:alpha val="31034"/>
                 </a:srgbClr>
@@ -4324,7 +4729,7 @@
           <a:buFontTx/>
           <a:buNone/>
           <a:tabLst/>
-          <a:defRPr b="0" baseline="0" cap="none" i="0" spc="0" strike="noStrike" sz="1800" u="none" kumimoji="0" normalizeH="0">
+          <a:defRPr kumimoji="0" sz="1800" b="0" i="0" u="none" strike="noStrike" cap="none" spc="0" normalizeH="0" baseline="0">
             <a:ln>
               <a:noFill/>
             </a:ln>
@@ -4350,7 +4755,7 @@
           <a:buFontTx/>
           <a:buNone/>
           <a:tabLst/>
-          <a:defRPr b="0" baseline="0" cap="none" i="0" spc="0" strike="noStrike" sz="1800" u="none" kumimoji="0" normalizeH="0">
+          <a:defRPr kumimoji="0" sz="1800" b="0" i="0" u="none" strike="noStrike" cap="none" spc="0" normalizeH="0" baseline="0">
             <a:ln>
               <a:noFill/>
             </a:ln>
@@ -4376,7 +4781,7 @@
           <a:buFontTx/>
           <a:buNone/>
           <a:tabLst/>
-          <a:defRPr b="0" baseline="0" cap="none" i="0" spc="0" strike="noStrike" sz="1800" u="none" kumimoji="0" normalizeH="0">
+          <a:defRPr kumimoji="0" sz="1800" b="0" i="0" u="none" strike="noStrike" cap="none" spc="0" normalizeH="0" baseline="0">
             <a:ln>
               <a:noFill/>
             </a:ln>
@@ -4402,7 +4807,7 @@
           <a:buFontTx/>
           <a:buNone/>
           <a:tabLst/>
-          <a:defRPr b="0" baseline="0" cap="none" i="0" spc="0" strike="noStrike" sz="1800" u="none" kumimoji="0" normalizeH="0">
+          <a:defRPr kumimoji="0" sz="1800" b="0" i="0" u="none" strike="noStrike" cap="none" spc="0" normalizeH="0" baseline="0">
             <a:ln>
               <a:noFill/>
             </a:ln>
@@ -4428,7 +4833,7 @@
           <a:buFontTx/>
           <a:buNone/>
           <a:tabLst/>
-          <a:defRPr b="0" baseline="0" cap="none" i="0" spc="0" strike="noStrike" sz="1800" u="none" kumimoji="0" normalizeH="0">
+          <a:defRPr kumimoji="0" sz="1800" b="0" i="0" u="none" strike="noStrike" cap="none" spc="0" normalizeH="0" baseline="0">
             <a:ln>
               <a:noFill/>
             </a:ln>
@@ -4454,7 +4859,7 @@
           <a:buFontTx/>
           <a:buNone/>
           <a:tabLst/>
-          <a:defRPr b="0" baseline="0" cap="none" i="0" spc="0" strike="noStrike" sz="1800" u="none" kumimoji="0" normalizeH="0">
+          <a:defRPr kumimoji="0" sz="1800" b="0" i="0" u="none" strike="noStrike" cap="none" spc="0" normalizeH="0" baseline="0">
             <a:ln>
               <a:noFill/>
             </a:ln>
@@ -4480,7 +4885,7 @@
           <a:buFontTx/>
           <a:buNone/>
           <a:tabLst/>
-          <a:defRPr b="0" baseline="0" cap="none" i="0" spc="0" strike="noStrike" sz="1800" u="none" kumimoji="0" normalizeH="0">
+          <a:defRPr kumimoji="0" sz="1800" b="0" i="0" u="none" strike="noStrike" cap="none" spc="0" normalizeH="0" baseline="0">
             <a:ln>
               <a:noFill/>
             </a:ln>
@@ -4506,7 +4911,7 @@
           <a:buFontTx/>
           <a:buNone/>
           <a:tabLst/>
-          <a:defRPr b="0" baseline="0" cap="none" i="0" spc="0" strike="noStrike" sz="1800" u="none" kumimoji="0" normalizeH="0">
+          <a:defRPr kumimoji="0" sz="1800" b="0" i="0" u="none" strike="noStrike" cap="none" spc="0" normalizeH="0" baseline="0">
             <a:ln>
               <a:noFill/>
             </a:ln>
@@ -4532,7 +4937,7 @@
           <a:buFontTx/>
           <a:buNone/>
           <a:tabLst/>
-          <a:defRPr b="0" baseline="0" cap="none" i="0" spc="0" strike="noStrike" sz="1800" u="none" kumimoji="0" normalizeH="0">
+          <a:defRPr kumimoji="0" sz="1800" b="0" i="0" u="none" strike="noStrike" cap="none" spc="0" normalizeH="0" baseline="0">
             <a:ln>
               <a:noFill/>
             </a:ln>
@@ -4545,9 +4950,15 @@
         </a:lvl9pPr>
       </a:lstStyle>
       <a:style>
-        <a:lnRef idx="0"/>
-        <a:fillRef idx="0"/>
-        <a:effectRef idx="0"/>
+        <a:lnRef idx="0">
+          <a:scrgbClr r="0" g="0" b="0"/>
+        </a:lnRef>
+        <a:fillRef idx="0">
+          <a:scrgbClr r="0" g="0" b="0"/>
+        </a:fillRef>
+        <a:effectRef idx="0">
+          <a:scrgbClr r="0" g="0" b="0"/>
+        </a:effectRef>
         <a:fontRef idx="none"/>
       </a:style>
     </a:spDef>
@@ -4564,7 +4975,7 @@
         <a:effectLst/>
         <a:sp3d/>
       </a:spPr>
-      <a:bodyPr rot="0" spcFirstLastPara="1" vertOverflow="overflow" horzOverflow="overflow" vert="horz" wrap="square" lIns="91439" tIns="45719" rIns="91439" bIns="45719" numCol="1" spcCol="38100" rtlCol="0" anchor="t" upright="0">
+      <a:bodyPr rot="0" spcFirstLastPara="1" vertOverflow="overflow" horzOverflow="overflow" vert="horz" wrap="square" lIns="91439" tIns="45719" rIns="91439" bIns="45719" numCol="1" spcCol="38100" rtlCol="0" anchor="t">
         <a:noAutofit/>
       </a:bodyPr>
       <a:lstStyle>
@@ -4583,7 +4994,7 @@
           <a:buFontTx/>
           <a:buNone/>
           <a:tabLst/>
-          <a:defRPr b="0" baseline="0" cap="none" i="0" spc="0" strike="noStrike" sz="1800" u="none" kumimoji="0" normalizeH="0">
+          <a:defRPr kumimoji="0" sz="1800" b="0" i="0" u="none" strike="noStrike" cap="none" spc="0" normalizeH="0" baseline="0">
             <a:ln>
               <a:noFill/>
             </a:ln>
@@ -4609,7 +5020,7 @@
           <a:buFontTx/>
           <a:buNone/>
           <a:tabLst/>
-          <a:defRPr b="0" baseline="0" cap="none" i="0" spc="0" strike="noStrike" sz="1800" u="none" kumimoji="0" normalizeH="0">
+          <a:defRPr kumimoji="0" sz="1800" b="0" i="0" u="none" strike="noStrike" cap="none" spc="0" normalizeH="0" baseline="0">
             <a:ln>
               <a:noFill/>
             </a:ln>
@@ -4635,7 +5046,7 @@
           <a:buFontTx/>
           <a:buNone/>
           <a:tabLst/>
-          <a:defRPr b="0" baseline="0" cap="none" i="0" spc="0" strike="noStrike" sz="1800" u="none" kumimoji="0" normalizeH="0">
+          <a:defRPr kumimoji="0" sz="1800" b="0" i="0" u="none" strike="noStrike" cap="none" spc="0" normalizeH="0" baseline="0">
             <a:ln>
               <a:noFill/>
             </a:ln>
@@ -4661,7 +5072,7 @@
           <a:buFontTx/>
           <a:buNone/>
           <a:tabLst/>
-          <a:defRPr b="0" baseline="0" cap="none" i="0" spc="0" strike="noStrike" sz="1800" u="none" kumimoji="0" normalizeH="0">
+          <a:defRPr kumimoji="0" sz="1800" b="0" i="0" u="none" strike="noStrike" cap="none" spc="0" normalizeH="0" baseline="0">
             <a:ln>
               <a:noFill/>
             </a:ln>
@@ -4687,7 +5098,7 @@
           <a:buFontTx/>
           <a:buNone/>
           <a:tabLst/>
-          <a:defRPr b="0" baseline="0" cap="none" i="0" spc="0" strike="noStrike" sz="1800" u="none" kumimoji="0" normalizeH="0">
+          <a:defRPr kumimoji="0" sz="1800" b="0" i="0" u="none" strike="noStrike" cap="none" spc="0" normalizeH="0" baseline="0">
             <a:ln>
               <a:noFill/>
             </a:ln>
@@ -4713,7 +5124,7 @@
           <a:buFontTx/>
           <a:buNone/>
           <a:tabLst/>
-          <a:defRPr b="0" baseline="0" cap="none" i="0" spc="0" strike="noStrike" sz="1800" u="none" kumimoji="0" normalizeH="0">
+          <a:defRPr kumimoji="0" sz="1800" b="0" i="0" u="none" strike="noStrike" cap="none" spc="0" normalizeH="0" baseline="0">
             <a:ln>
               <a:noFill/>
             </a:ln>
@@ -4739,7 +5150,7 @@
           <a:buFontTx/>
           <a:buNone/>
           <a:tabLst/>
-          <a:defRPr b="0" baseline="0" cap="none" i="0" spc="0" strike="noStrike" sz="1800" u="none" kumimoji="0" normalizeH="0">
+          <a:defRPr kumimoji="0" sz="1800" b="0" i="0" u="none" strike="noStrike" cap="none" spc="0" normalizeH="0" baseline="0">
             <a:ln>
               <a:noFill/>
             </a:ln>
@@ -4765,7 +5176,7 @@
           <a:buFontTx/>
           <a:buNone/>
           <a:tabLst/>
-          <a:defRPr b="0" baseline="0" cap="none" i="0" spc="0" strike="noStrike" sz="1800" u="none" kumimoji="0" normalizeH="0">
+          <a:defRPr kumimoji="0" sz="1800" b="0" i="0" u="none" strike="noStrike" cap="none" spc="0" normalizeH="0" baseline="0">
             <a:ln>
               <a:noFill/>
             </a:ln>
@@ -4791,7 +5202,7 @@
           <a:buFontTx/>
           <a:buNone/>
           <a:tabLst/>
-          <a:defRPr b="0" baseline="0" cap="none" i="0" spc="0" strike="noStrike" sz="1800" u="none" kumimoji="0" normalizeH="0">
+          <a:defRPr kumimoji="0" sz="1800" b="0" i="0" u="none" strike="noStrike" cap="none" spc="0" normalizeH="0" baseline="0">
             <a:ln>
               <a:noFill/>
             </a:ln>
@@ -4817,7 +5228,7 @@
           <a:buFontTx/>
           <a:buNone/>
           <a:tabLst/>
-          <a:defRPr b="0" baseline="0" cap="none" i="0" spc="0" strike="noStrike" sz="1800" u="none" kumimoji="0" normalizeH="0">
+          <a:defRPr kumimoji="0" sz="1800" b="0" i="0" u="none" strike="noStrike" cap="none" spc="0" normalizeH="0" baseline="0">
             <a:ln>
               <a:noFill/>
             </a:ln>
@@ -4830,9 +5241,15 @@
         </a:lvl9pPr>
       </a:lstStyle>
       <a:style>
-        <a:lnRef idx="0"/>
-        <a:fillRef idx="0"/>
-        <a:effectRef idx="0"/>
+        <a:lnRef idx="0">
+          <a:scrgbClr r="0" g="0" b="0"/>
+        </a:lnRef>
+        <a:fillRef idx="0">
+          <a:scrgbClr r="0" g="0" b="0"/>
+        </a:fillRef>
+        <a:effectRef idx="0">
+          <a:scrgbClr r="0" g="0" b="0"/>
+        </a:effectRef>
         <a:fontRef idx="none"/>
       </a:style>
     </a:lnDef>
@@ -4846,7 +5263,7 @@
         <a:effectLst/>
         <a:sp3d/>
       </a:spPr>
-      <a:bodyPr rot="0" spcFirstLastPara="1" vertOverflow="overflow" horzOverflow="overflow" vert="horz" wrap="square" lIns="50800" tIns="50800" rIns="50800" bIns="50800" numCol="1" spcCol="38100" rtlCol="0" anchor="ctr" upright="0">
+      <a:bodyPr rot="0" spcFirstLastPara="1" vertOverflow="overflow" horzOverflow="overflow" vert="horz" wrap="square" lIns="50800" tIns="50800" rIns="50800" bIns="50800" numCol="1" spcCol="38100" rtlCol="0" anchor="ctr">
         <a:spAutoFit/>
       </a:bodyPr>
       <a:lstStyle>
@@ -4865,7 +5282,7 @@
           <a:buFontTx/>
           <a:buNone/>
           <a:tabLst/>
-          <a:defRPr b="0" baseline="0" cap="none" i="0" spc="0" strike="noStrike" sz="3800" u="none" kumimoji="0" normalizeH="0">
+          <a:defRPr kumimoji="0" sz="3800" b="0" i="0" u="none" strike="noStrike" cap="none" spc="0" normalizeH="0" baseline="0">
             <a:ln>
               <a:noFill/>
             </a:ln>
@@ -4895,7 +5312,7 @@
           <a:buFontTx/>
           <a:buNone/>
           <a:tabLst/>
-          <a:defRPr b="0" baseline="0" cap="none" i="0" spc="0" strike="noStrike" sz="1800" u="none" kumimoji="0" normalizeH="0">
+          <a:defRPr kumimoji="0" sz="1800" b="0" i="0" u="none" strike="noStrike" cap="none" spc="0" normalizeH="0" baseline="0">
             <a:ln>
               <a:noFill/>
             </a:ln>
@@ -4921,7 +5338,7 @@
           <a:buFontTx/>
           <a:buNone/>
           <a:tabLst/>
-          <a:defRPr b="0" baseline="0" cap="none" i="0" spc="0" strike="noStrike" sz="1800" u="none" kumimoji="0" normalizeH="0">
+          <a:defRPr kumimoji="0" sz="1800" b="0" i="0" u="none" strike="noStrike" cap="none" spc="0" normalizeH="0" baseline="0">
             <a:ln>
               <a:noFill/>
             </a:ln>
@@ -4947,7 +5364,7 @@
           <a:buFontTx/>
           <a:buNone/>
           <a:tabLst/>
-          <a:defRPr b="0" baseline="0" cap="none" i="0" spc="0" strike="noStrike" sz="1800" u="none" kumimoji="0" normalizeH="0">
+          <a:defRPr kumimoji="0" sz="1800" b="0" i="0" u="none" strike="noStrike" cap="none" spc="0" normalizeH="0" baseline="0">
             <a:ln>
               <a:noFill/>
             </a:ln>
@@ -4973,7 +5390,7 @@
           <a:buFontTx/>
           <a:buNone/>
           <a:tabLst/>
-          <a:defRPr b="0" baseline="0" cap="none" i="0" spc="0" strike="noStrike" sz="1800" u="none" kumimoji="0" normalizeH="0">
+          <a:defRPr kumimoji="0" sz="1800" b="0" i="0" u="none" strike="noStrike" cap="none" spc="0" normalizeH="0" baseline="0">
             <a:ln>
               <a:noFill/>
             </a:ln>
@@ -4999,7 +5416,7 @@
           <a:buFontTx/>
           <a:buNone/>
           <a:tabLst/>
-          <a:defRPr b="0" baseline="0" cap="none" i="0" spc="0" strike="noStrike" sz="1800" u="none" kumimoji="0" normalizeH="0">
+          <a:defRPr kumimoji="0" sz="1800" b="0" i="0" u="none" strike="noStrike" cap="none" spc="0" normalizeH="0" baseline="0">
             <a:ln>
               <a:noFill/>
             </a:ln>
@@ -5025,7 +5442,7 @@
           <a:buFontTx/>
           <a:buNone/>
           <a:tabLst/>
-          <a:defRPr b="0" baseline="0" cap="none" i="0" spc="0" strike="noStrike" sz="1800" u="none" kumimoji="0" normalizeH="0">
+          <a:defRPr kumimoji="0" sz="1800" b="0" i="0" u="none" strike="noStrike" cap="none" spc="0" normalizeH="0" baseline="0">
             <a:ln>
               <a:noFill/>
             </a:ln>
@@ -5051,7 +5468,7 @@
           <a:buFontTx/>
           <a:buNone/>
           <a:tabLst/>
-          <a:defRPr b="0" baseline="0" cap="none" i="0" spc="0" strike="noStrike" sz="1800" u="none" kumimoji="0" normalizeH="0">
+          <a:defRPr kumimoji="0" sz="1800" b="0" i="0" u="none" strike="noStrike" cap="none" spc="0" normalizeH="0" baseline="0">
             <a:ln>
               <a:noFill/>
             </a:ln>
@@ -5077,7 +5494,7 @@
           <a:buFontTx/>
           <a:buNone/>
           <a:tabLst/>
-          <a:defRPr b="0" baseline="0" cap="none" i="0" spc="0" strike="noStrike" sz="1800" u="none" kumimoji="0" normalizeH="0">
+          <a:defRPr kumimoji="0" sz="1800" b="0" i="0" u="none" strike="noStrike" cap="none" spc="0" normalizeH="0" baseline="0">
             <a:ln>
               <a:noFill/>
             </a:ln>
@@ -5103,7 +5520,7 @@
           <a:buFontTx/>
           <a:buNone/>
           <a:tabLst/>
-          <a:defRPr b="0" baseline="0" cap="none" i="0" spc="0" strike="noStrike" sz="1800" u="none" kumimoji="0" normalizeH="0">
+          <a:defRPr kumimoji="0" sz="1800" b="0" i="0" u="none" strike="noStrike" cap="none" spc="0" normalizeH="0" baseline="0">
             <a:ln>
               <a:noFill/>
             </a:ln>
@@ -5116,18 +5533,25 @@
         </a:lvl9pPr>
       </a:lstStyle>
       <a:style>
-        <a:lnRef idx="0"/>
-        <a:fillRef idx="0"/>
-        <a:effectRef idx="0"/>
+        <a:lnRef idx="0">
+          <a:scrgbClr r="0" g="0" b="0"/>
+        </a:lnRef>
+        <a:fillRef idx="0">
+          <a:scrgbClr r="0" g="0" b="0"/>
+        </a:fillRef>
+        <a:effectRef idx="0">
+          <a:scrgbClr r="0" g="0" b="0"/>
+        </a:effectRef>
         <a:fontRef idx="none"/>
       </a:style>
     </a:txDef>
   </a:objectDefaults>
+  <a:extraClrSchemeLst/>
 </a:theme>
 </file>
 
 <file path=ppt/theme/theme2.xml><?xml version="1.0" encoding="utf-8"?>
-<a:theme xmlns:a="http://schemas.openxmlformats.org/drawingml/2006/main" xmlns:r="http://schemas.openxmlformats.org/officeDocument/2006/relationships" name="Gradient">
+<a:theme xmlns:a="http://schemas.openxmlformats.org/drawingml/2006/main" name="Gradient">
   <a:themeElements>
     <a:clrScheme name="Gradient">
       <a:dk1>
@@ -5253,7 +5677,7 @@
       <a:effectStyleLst>
         <a:effectStyle>
           <a:effectLst>
-            <a:outerShdw sx="100000" sy="100000" kx="0" ky="0" algn="b" rotWithShape="0" blurRad="76200" dist="0" dir="18900000">
+            <a:outerShdw blurRad="76200" dir="18900000" rotWithShape="0">
               <a:srgbClr val="000000">
                 <a:alpha val="80000"/>
               </a:srgbClr>
@@ -5262,7 +5686,7 @@
         </a:effectStyle>
         <a:effectStyle>
           <a:effectLst>
-            <a:outerShdw sx="100000" sy="100000" kx="0" ky="0" algn="b" rotWithShape="0" blurRad="76200" dist="0" dir="18900000">
+            <a:outerShdw blurRad="76200" dir="18900000" rotWithShape="0">
               <a:srgbClr val="000000">
                 <a:alpha val="80000"/>
               </a:srgbClr>
@@ -5271,7 +5695,7 @@
         </a:effectStyle>
         <a:effectStyle>
           <a:effectLst>
-            <a:outerShdw sx="100000" sy="100000" kx="0" ky="0" algn="b" rotWithShape="0" blurRad="76200" dist="0" dir="18900000">
+            <a:outerShdw blurRad="76200" dir="18900000" rotWithShape="0">
               <a:srgbClr val="000000">
                 <a:alpha val="80000"/>
               </a:srgbClr>
@@ -5354,7 +5778,7 @@
           <a:miter lim="400000"/>
         </a:ln>
         <a:effectLst>
-          <a:outerShdw sx="100000" sy="100000" kx="0" ky="0" algn="b" rotWithShape="0" blurRad="76200" dist="0" dir="18900000">
+          <a:outerShdw blurRad="76200" dir="18900000" rotWithShape="0">
             <a:srgbClr val="000000">
               <a:alpha val="80000"/>
             </a:srgbClr>
@@ -5362,7 +5786,7 @@
         </a:effectLst>
         <a:sp3d/>
       </a:spPr>
-      <a:bodyPr rot="0" spcFirstLastPara="1" vertOverflow="overflow" horzOverflow="overflow" vert="horz" wrap="square" lIns="50800" tIns="50800" rIns="50800" bIns="50800" numCol="1" spcCol="38100" rtlCol="0" anchor="ctr" upright="0">
+      <a:bodyPr rot="0" spcFirstLastPara="1" vertOverflow="overflow" horzOverflow="overflow" vert="horz" wrap="square" lIns="50800" tIns="50800" rIns="50800" bIns="50800" numCol="1" spcCol="38100" rtlCol="0" anchor="ctr">
         <a:spAutoFit/>
       </a:bodyPr>
       <a:lstStyle>
@@ -5381,7 +5805,7 @@
           <a:buFontTx/>
           <a:buNone/>
           <a:tabLst/>
-          <a:defRPr b="0" baseline="0" cap="none" i="0" spc="0" strike="noStrike" sz="2400" u="none" kumimoji="0" normalizeH="0">
+          <a:defRPr kumimoji="0" sz="2400" b="0" i="0" u="none" strike="noStrike" cap="none" spc="0" normalizeH="0" baseline="0">
             <a:ln>
               <a:noFill/>
             </a:ln>
@@ -5389,7 +5813,7 @@
               <a:srgbClr val="FFFFFF"/>
             </a:solidFill>
             <a:effectLst>
-              <a:outerShdw sx="100000" sy="100000" kx="0" ky="0" algn="b" rotWithShape="0" blurRad="25400" dist="23998" dir="2700000">
+              <a:outerShdw blurRad="25400" dist="23998" dir="2700000" rotWithShape="0">
                 <a:srgbClr val="000000">
                   <a:alpha val="31034"/>
                 </a:srgbClr>
@@ -5417,7 +5841,7 @@
           <a:buFontTx/>
           <a:buNone/>
           <a:tabLst/>
-          <a:defRPr b="0" baseline="0" cap="none" i="0" spc="0" strike="noStrike" sz="1800" u="none" kumimoji="0" normalizeH="0">
+          <a:defRPr kumimoji="0" sz="1800" b="0" i="0" u="none" strike="noStrike" cap="none" spc="0" normalizeH="0" baseline="0">
             <a:ln>
               <a:noFill/>
             </a:ln>
@@ -5443,7 +5867,7 @@
           <a:buFontTx/>
           <a:buNone/>
           <a:tabLst/>
-          <a:defRPr b="0" baseline="0" cap="none" i="0" spc="0" strike="noStrike" sz="1800" u="none" kumimoji="0" normalizeH="0">
+          <a:defRPr kumimoji="0" sz="1800" b="0" i="0" u="none" strike="noStrike" cap="none" spc="0" normalizeH="0" baseline="0">
             <a:ln>
               <a:noFill/>
             </a:ln>
@@ -5469,7 +5893,7 @@
           <a:buFontTx/>
           <a:buNone/>
           <a:tabLst/>
-          <a:defRPr b="0" baseline="0" cap="none" i="0" spc="0" strike="noStrike" sz="1800" u="none" kumimoji="0" normalizeH="0">
+          <a:defRPr kumimoji="0" sz="1800" b="0" i="0" u="none" strike="noStrike" cap="none" spc="0" normalizeH="0" baseline="0">
             <a:ln>
               <a:noFill/>
             </a:ln>
@@ -5495,7 +5919,7 @@
           <a:buFontTx/>
           <a:buNone/>
           <a:tabLst/>
-          <a:defRPr b="0" baseline="0" cap="none" i="0" spc="0" strike="noStrike" sz="1800" u="none" kumimoji="0" normalizeH="0">
+          <a:defRPr kumimoji="0" sz="1800" b="0" i="0" u="none" strike="noStrike" cap="none" spc="0" normalizeH="0" baseline="0">
             <a:ln>
               <a:noFill/>
             </a:ln>
@@ -5521,7 +5945,7 @@
           <a:buFontTx/>
           <a:buNone/>
           <a:tabLst/>
-          <a:defRPr b="0" baseline="0" cap="none" i="0" spc="0" strike="noStrike" sz="1800" u="none" kumimoji="0" normalizeH="0">
+          <a:defRPr kumimoji="0" sz="1800" b="0" i="0" u="none" strike="noStrike" cap="none" spc="0" normalizeH="0" baseline="0">
             <a:ln>
               <a:noFill/>
             </a:ln>
@@ -5547,7 +5971,7 @@
           <a:buFontTx/>
           <a:buNone/>
           <a:tabLst/>
-          <a:defRPr b="0" baseline="0" cap="none" i="0" spc="0" strike="noStrike" sz="1800" u="none" kumimoji="0" normalizeH="0">
+          <a:defRPr kumimoji="0" sz="1800" b="0" i="0" u="none" strike="noStrike" cap="none" spc="0" normalizeH="0" baseline="0">
             <a:ln>
               <a:noFill/>
             </a:ln>
@@ -5573,7 +5997,7 @@
           <a:buFontTx/>
           <a:buNone/>
           <a:tabLst/>
-          <a:defRPr b="0" baseline="0" cap="none" i="0" spc="0" strike="noStrike" sz="1800" u="none" kumimoji="0" normalizeH="0">
+          <a:defRPr kumimoji="0" sz="1800" b="0" i="0" u="none" strike="noStrike" cap="none" spc="0" normalizeH="0" baseline="0">
             <a:ln>
               <a:noFill/>
             </a:ln>
@@ -5599,7 +6023,7 @@
           <a:buFontTx/>
           <a:buNone/>
           <a:tabLst/>
-          <a:defRPr b="0" baseline="0" cap="none" i="0" spc="0" strike="noStrike" sz="1800" u="none" kumimoji="0" normalizeH="0">
+          <a:defRPr kumimoji="0" sz="1800" b="0" i="0" u="none" strike="noStrike" cap="none" spc="0" normalizeH="0" baseline="0">
             <a:ln>
               <a:noFill/>
             </a:ln>
@@ -5625,7 +6049,7 @@
           <a:buFontTx/>
           <a:buNone/>
           <a:tabLst/>
-          <a:defRPr b="0" baseline="0" cap="none" i="0" spc="0" strike="noStrike" sz="1800" u="none" kumimoji="0" normalizeH="0">
+          <a:defRPr kumimoji="0" sz="1800" b="0" i="0" u="none" strike="noStrike" cap="none" spc="0" normalizeH="0" baseline="0">
             <a:ln>
               <a:noFill/>
             </a:ln>
@@ -5638,9 +6062,15 @@
         </a:lvl9pPr>
       </a:lstStyle>
       <a:style>
-        <a:lnRef idx="0"/>
-        <a:fillRef idx="0"/>
-        <a:effectRef idx="0"/>
+        <a:lnRef idx="0">
+          <a:scrgbClr r="0" g="0" b="0"/>
+        </a:lnRef>
+        <a:fillRef idx="0">
+          <a:scrgbClr r="0" g="0" b="0"/>
+        </a:fillRef>
+        <a:effectRef idx="0">
+          <a:scrgbClr r="0" g="0" b="0"/>
+        </a:effectRef>
         <a:fontRef idx="none"/>
       </a:style>
     </a:spDef>
@@ -5657,7 +6087,7 @@
         <a:effectLst/>
         <a:sp3d/>
       </a:spPr>
-      <a:bodyPr rot="0" spcFirstLastPara="1" vertOverflow="overflow" horzOverflow="overflow" vert="horz" wrap="square" lIns="91439" tIns="45719" rIns="91439" bIns="45719" numCol="1" spcCol="38100" rtlCol="0" anchor="t" upright="0">
+      <a:bodyPr rot="0" spcFirstLastPara="1" vertOverflow="overflow" horzOverflow="overflow" vert="horz" wrap="square" lIns="91439" tIns="45719" rIns="91439" bIns="45719" numCol="1" spcCol="38100" rtlCol="0" anchor="t">
         <a:noAutofit/>
       </a:bodyPr>
       <a:lstStyle>
@@ -5676,7 +6106,7 @@
           <a:buFontTx/>
           <a:buNone/>
           <a:tabLst/>
-          <a:defRPr b="0" baseline="0" cap="none" i="0" spc="0" strike="noStrike" sz="1800" u="none" kumimoji="0" normalizeH="0">
+          <a:defRPr kumimoji="0" sz="1800" b="0" i="0" u="none" strike="noStrike" cap="none" spc="0" normalizeH="0" baseline="0">
             <a:ln>
               <a:noFill/>
             </a:ln>
@@ -5702,7 +6132,7 @@
           <a:buFontTx/>
           <a:buNone/>
           <a:tabLst/>
-          <a:defRPr b="0" baseline="0" cap="none" i="0" spc="0" strike="noStrike" sz="1800" u="none" kumimoji="0" normalizeH="0">
+          <a:defRPr kumimoji="0" sz="1800" b="0" i="0" u="none" strike="noStrike" cap="none" spc="0" normalizeH="0" baseline="0">
             <a:ln>
               <a:noFill/>
             </a:ln>
@@ -5728,7 +6158,7 @@
           <a:buFontTx/>
           <a:buNone/>
           <a:tabLst/>
-          <a:defRPr b="0" baseline="0" cap="none" i="0" spc="0" strike="noStrike" sz="1800" u="none" kumimoji="0" normalizeH="0">
+          <a:defRPr kumimoji="0" sz="1800" b="0" i="0" u="none" strike="noStrike" cap="none" spc="0" normalizeH="0" baseline="0">
             <a:ln>
               <a:noFill/>
             </a:ln>
@@ -5754,7 +6184,7 @@
           <a:buFontTx/>
           <a:buNone/>
           <a:tabLst/>
-          <a:defRPr b="0" baseline="0" cap="none" i="0" spc="0" strike="noStrike" sz="1800" u="none" kumimoji="0" normalizeH="0">
+          <a:defRPr kumimoji="0" sz="1800" b="0" i="0" u="none" strike="noStrike" cap="none" spc="0" normalizeH="0" baseline="0">
             <a:ln>
               <a:noFill/>
             </a:ln>
@@ -5780,7 +6210,7 @@
           <a:buFontTx/>
           <a:buNone/>
           <a:tabLst/>
-          <a:defRPr b="0" baseline="0" cap="none" i="0" spc="0" strike="noStrike" sz="1800" u="none" kumimoji="0" normalizeH="0">
+          <a:defRPr kumimoji="0" sz="1800" b="0" i="0" u="none" strike="noStrike" cap="none" spc="0" normalizeH="0" baseline="0">
             <a:ln>
               <a:noFill/>
             </a:ln>
@@ -5806,7 +6236,7 @@
           <a:buFontTx/>
           <a:buNone/>
           <a:tabLst/>
-          <a:defRPr b="0" baseline="0" cap="none" i="0" spc="0" strike="noStrike" sz="1800" u="none" kumimoji="0" normalizeH="0">
+          <a:defRPr kumimoji="0" sz="1800" b="0" i="0" u="none" strike="noStrike" cap="none" spc="0" normalizeH="0" baseline="0">
             <a:ln>
               <a:noFill/>
             </a:ln>
@@ -5832,7 +6262,7 @@
           <a:buFontTx/>
           <a:buNone/>
           <a:tabLst/>
-          <a:defRPr b="0" baseline="0" cap="none" i="0" spc="0" strike="noStrike" sz="1800" u="none" kumimoji="0" normalizeH="0">
+          <a:defRPr kumimoji="0" sz="1800" b="0" i="0" u="none" strike="noStrike" cap="none" spc="0" normalizeH="0" baseline="0">
             <a:ln>
               <a:noFill/>
             </a:ln>
@@ -5858,7 +6288,7 @@
           <a:buFontTx/>
           <a:buNone/>
           <a:tabLst/>
-          <a:defRPr b="0" baseline="0" cap="none" i="0" spc="0" strike="noStrike" sz="1800" u="none" kumimoji="0" normalizeH="0">
+          <a:defRPr kumimoji="0" sz="1800" b="0" i="0" u="none" strike="noStrike" cap="none" spc="0" normalizeH="0" baseline="0">
             <a:ln>
               <a:noFill/>
             </a:ln>
@@ -5884,7 +6314,7 @@
           <a:buFontTx/>
           <a:buNone/>
           <a:tabLst/>
-          <a:defRPr b="0" baseline="0" cap="none" i="0" spc="0" strike="noStrike" sz="1800" u="none" kumimoji="0" normalizeH="0">
+          <a:defRPr kumimoji="0" sz="1800" b="0" i="0" u="none" strike="noStrike" cap="none" spc="0" normalizeH="0" baseline="0">
             <a:ln>
               <a:noFill/>
             </a:ln>
@@ -5910,7 +6340,7 @@
           <a:buFontTx/>
           <a:buNone/>
           <a:tabLst/>
-          <a:defRPr b="0" baseline="0" cap="none" i="0" spc="0" strike="noStrike" sz="1800" u="none" kumimoji="0" normalizeH="0">
+          <a:defRPr kumimoji="0" sz="1800" b="0" i="0" u="none" strike="noStrike" cap="none" spc="0" normalizeH="0" baseline="0">
             <a:ln>
               <a:noFill/>
             </a:ln>
@@ -5923,9 +6353,15 @@
         </a:lvl9pPr>
       </a:lstStyle>
       <a:style>
-        <a:lnRef idx="0"/>
-        <a:fillRef idx="0"/>
-        <a:effectRef idx="0"/>
+        <a:lnRef idx="0">
+          <a:scrgbClr r="0" g="0" b="0"/>
+        </a:lnRef>
+        <a:fillRef idx="0">
+          <a:scrgbClr r="0" g="0" b="0"/>
+        </a:fillRef>
+        <a:effectRef idx="0">
+          <a:scrgbClr r="0" g="0" b="0"/>
+        </a:effectRef>
         <a:fontRef idx="none"/>
       </a:style>
     </a:lnDef>
@@ -5939,7 +6375,7 @@
         <a:effectLst/>
         <a:sp3d/>
       </a:spPr>
-      <a:bodyPr rot="0" spcFirstLastPara="1" vertOverflow="overflow" horzOverflow="overflow" vert="horz" wrap="square" lIns="50800" tIns="50800" rIns="50800" bIns="50800" numCol="1" spcCol="38100" rtlCol="0" anchor="ctr" upright="0">
+      <a:bodyPr rot="0" spcFirstLastPara="1" vertOverflow="overflow" horzOverflow="overflow" vert="horz" wrap="square" lIns="50800" tIns="50800" rIns="50800" bIns="50800" numCol="1" spcCol="38100" rtlCol="0" anchor="ctr">
         <a:spAutoFit/>
       </a:bodyPr>
       <a:lstStyle>
@@ -5958,7 +6394,7 @@
           <a:buFontTx/>
           <a:buNone/>
           <a:tabLst/>
-          <a:defRPr b="0" baseline="0" cap="none" i="0" spc="0" strike="noStrike" sz="3800" u="none" kumimoji="0" normalizeH="0">
+          <a:defRPr kumimoji="0" sz="3800" b="0" i="0" u="none" strike="noStrike" cap="none" spc="0" normalizeH="0" baseline="0">
             <a:ln>
               <a:noFill/>
             </a:ln>
@@ -5988,7 +6424,7 @@
           <a:buFontTx/>
           <a:buNone/>
           <a:tabLst/>
-          <a:defRPr b="0" baseline="0" cap="none" i="0" spc="0" strike="noStrike" sz="1800" u="none" kumimoji="0" normalizeH="0">
+          <a:defRPr kumimoji="0" sz="1800" b="0" i="0" u="none" strike="noStrike" cap="none" spc="0" normalizeH="0" baseline="0">
             <a:ln>
               <a:noFill/>
             </a:ln>
@@ -6014,7 +6450,7 @@
           <a:buFontTx/>
           <a:buNone/>
           <a:tabLst/>
-          <a:defRPr b="0" baseline="0" cap="none" i="0" spc="0" strike="noStrike" sz="1800" u="none" kumimoji="0" normalizeH="0">
+          <a:defRPr kumimoji="0" sz="1800" b="0" i="0" u="none" strike="noStrike" cap="none" spc="0" normalizeH="0" baseline="0">
             <a:ln>
               <a:noFill/>
             </a:ln>
@@ -6040,7 +6476,7 @@
           <a:buFontTx/>
           <a:buNone/>
           <a:tabLst/>
-          <a:defRPr b="0" baseline="0" cap="none" i="0" spc="0" strike="noStrike" sz="1800" u="none" kumimoji="0" normalizeH="0">
+          <a:defRPr kumimoji="0" sz="1800" b="0" i="0" u="none" strike="noStrike" cap="none" spc="0" normalizeH="0" baseline="0">
             <a:ln>
               <a:noFill/>
             </a:ln>
@@ -6066,7 +6502,7 @@
           <a:buFontTx/>
           <a:buNone/>
           <a:tabLst/>
-          <a:defRPr b="0" baseline="0" cap="none" i="0" spc="0" strike="noStrike" sz="1800" u="none" kumimoji="0" normalizeH="0">
+          <a:defRPr kumimoji="0" sz="1800" b="0" i="0" u="none" strike="noStrike" cap="none" spc="0" normalizeH="0" baseline="0">
             <a:ln>
               <a:noFill/>
             </a:ln>
@@ -6092,7 +6528,7 @@
           <a:buFontTx/>
           <a:buNone/>
           <a:tabLst/>
-          <a:defRPr b="0" baseline="0" cap="none" i="0" spc="0" strike="noStrike" sz="1800" u="none" kumimoji="0" normalizeH="0">
+          <a:defRPr kumimoji="0" sz="1800" b="0" i="0" u="none" strike="noStrike" cap="none" spc="0" normalizeH="0" baseline="0">
             <a:ln>
               <a:noFill/>
             </a:ln>
@@ -6118,7 +6554,7 @@
           <a:buFontTx/>
           <a:buNone/>
           <a:tabLst/>
-          <a:defRPr b="0" baseline="0" cap="none" i="0" spc="0" strike="noStrike" sz="1800" u="none" kumimoji="0" normalizeH="0">
+          <a:defRPr kumimoji="0" sz="1800" b="0" i="0" u="none" strike="noStrike" cap="none" spc="0" normalizeH="0" baseline="0">
             <a:ln>
               <a:noFill/>
             </a:ln>
@@ -6144,7 +6580,7 @@
           <a:buFontTx/>
           <a:buNone/>
           <a:tabLst/>
-          <a:defRPr b="0" baseline="0" cap="none" i="0" spc="0" strike="noStrike" sz="1800" u="none" kumimoji="0" normalizeH="0">
+          <a:defRPr kumimoji="0" sz="1800" b="0" i="0" u="none" strike="noStrike" cap="none" spc="0" normalizeH="0" baseline="0">
             <a:ln>
               <a:noFill/>
             </a:ln>
@@ -6170,7 +6606,7 @@
           <a:buFontTx/>
           <a:buNone/>
           <a:tabLst/>
-          <a:defRPr b="0" baseline="0" cap="none" i="0" spc="0" strike="noStrike" sz="1800" u="none" kumimoji="0" normalizeH="0">
+          <a:defRPr kumimoji="0" sz="1800" b="0" i="0" u="none" strike="noStrike" cap="none" spc="0" normalizeH="0" baseline="0">
             <a:ln>
               <a:noFill/>
             </a:ln>
@@ -6196,7 +6632,7 @@
           <a:buFontTx/>
           <a:buNone/>
           <a:tabLst/>
-          <a:defRPr b="0" baseline="0" cap="none" i="0" spc="0" strike="noStrike" sz="1800" u="none" kumimoji="0" normalizeH="0">
+          <a:defRPr kumimoji="0" sz="1800" b="0" i="0" u="none" strike="noStrike" cap="none" spc="0" normalizeH="0" baseline="0">
             <a:ln>
               <a:noFill/>
             </a:ln>
@@ -6209,12 +6645,19 @@
         </a:lvl9pPr>
       </a:lstStyle>
       <a:style>
-        <a:lnRef idx="0"/>
-        <a:fillRef idx="0"/>
-        <a:effectRef idx="0"/>
+        <a:lnRef idx="0">
+          <a:scrgbClr r="0" g="0" b="0"/>
+        </a:lnRef>
+        <a:fillRef idx="0">
+          <a:scrgbClr r="0" g="0" b="0"/>
+        </a:fillRef>
+        <a:effectRef idx="0">
+          <a:scrgbClr r="0" g="0" b="0"/>
+        </a:effectRef>
         <a:fontRef idx="none"/>
       </a:style>
     </a:txDef>
   </a:objectDefaults>
+  <a:extraClrSchemeLst/>
 </a:theme>
 </file>